--- a/graduation_thesis/BIT-thesis-template-grd/figures/c4/c4p2.pptx
+++ b/graduation_thesis/BIT-thesis-template-grd/figures/c4/c4p2.pptx
@@ -7,6 +7,8 @@
   <p:sldIdLst>
     <p:sldId id="256" r:id="rId2"/>
     <p:sldId id="257" r:id="rId3"/>
+    <p:sldId id="258" r:id="rId4"/>
+    <p:sldId id="259" r:id="rId5"/>
   </p:sldIdLst>
   <p:sldSz cx="12192000" cy="6858000"/>
   <p:notesSz cx="6858000" cy="9144000"/>
@@ -260,7 +262,7 @@
           <a:p>
             <a:fld id="{648283BF-D07E-4268-AD41-E2A23B7C6AA4}" type="datetimeFigureOut">
               <a:rPr lang="zh-CN" altLang="en-US" smtClean="0"/>
-              <a:t>2020/4/6</a:t>
+              <a:t>2020/4/7</a:t>
             </a:fld>
             <a:endParaRPr lang="zh-CN" altLang="en-US"/>
           </a:p>
@@ -458,7 +460,7 @@
           <a:p>
             <a:fld id="{648283BF-D07E-4268-AD41-E2A23B7C6AA4}" type="datetimeFigureOut">
               <a:rPr lang="zh-CN" altLang="en-US" smtClean="0"/>
-              <a:t>2020/4/6</a:t>
+              <a:t>2020/4/7</a:t>
             </a:fld>
             <a:endParaRPr lang="zh-CN" altLang="en-US"/>
           </a:p>
@@ -666,7 +668,7 @@
           <a:p>
             <a:fld id="{648283BF-D07E-4268-AD41-E2A23B7C6AA4}" type="datetimeFigureOut">
               <a:rPr lang="zh-CN" altLang="en-US" smtClean="0"/>
-              <a:t>2020/4/6</a:t>
+              <a:t>2020/4/7</a:t>
             </a:fld>
             <a:endParaRPr lang="zh-CN" altLang="en-US"/>
           </a:p>
@@ -864,7 +866,7 @@
           <a:p>
             <a:fld id="{648283BF-D07E-4268-AD41-E2A23B7C6AA4}" type="datetimeFigureOut">
               <a:rPr lang="zh-CN" altLang="en-US" smtClean="0"/>
-              <a:t>2020/4/6</a:t>
+              <a:t>2020/4/7</a:t>
             </a:fld>
             <a:endParaRPr lang="zh-CN" altLang="en-US"/>
           </a:p>
@@ -1139,7 +1141,7 @@
           <a:p>
             <a:fld id="{648283BF-D07E-4268-AD41-E2A23B7C6AA4}" type="datetimeFigureOut">
               <a:rPr lang="zh-CN" altLang="en-US" smtClean="0"/>
-              <a:t>2020/4/6</a:t>
+              <a:t>2020/4/7</a:t>
             </a:fld>
             <a:endParaRPr lang="zh-CN" altLang="en-US"/>
           </a:p>
@@ -1404,7 +1406,7 @@
           <a:p>
             <a:fld id="{648283BF-D07E-4268-AD41-E2A23B7C6AA4}" type="datetimeFigureOut">
               <a:rPr lang="zh-CN" altLang="en-US" smtClean="0"/>
-              <a:t>2020/4/6</a:t>
+              <a:t>2020/4/7</a:t>
             </a:fld>
             <a:endParaRPr lang="zh-CN" altLang="en-US"/>
           </a:p>
@@ -1816,7 +1818,7 @@
           <a:p>
             <a:fld id="{648283BF-D07E-4268-AD41-E2A23B7C6AA4}" type="datetimeFigureOut">
               <a:rPr lang="zh-CN" altLang="en-US" smtClean="0"/>
-              <a:t>2020/4/6</a:t>
+              <a:t>2020/4/7</a:t>
             </a:fld>
             <a:endParaRPr lang="zh-CN" altLang="en-US"/>
           </a:p>
@@ -1957,7 +1959,7 @@
           <a:p>
             <a:fld id="{648283BF-D07E-4268-AD41-E2A23B7C6AA4}" type="datetimeFigureOut">
               <a:rPr lang="zh-CN" altLang="en-US" smtClean="0"/>
-              <a:t>2020/4/6</a:t>
+              <a:t>2020/4/7</a:t>
             </a:fld>
             <a:endParaRPr lang="zh-CN" altLang="en-US"/>
           </a:p>
@@ -2070,7 +2072,7 @@
           <a:p>
             <a:fld id="{648283BF-D07E-4268-AD41-E2A23B7C6AA4}" type="datetimeFigureOut">
               <a:rPr lang="zh-CN" altLang="en-US" smtClean="0"/>
-              <a:t>2020/4/6</a:t>
+              <a:t>2020/4/7</a:t>
             </a:fld>
             <a:endParaRPr lang="zh-CN" altLang="en-US"/>
           </a:p>
@@ -2381,7 +2383,7 @@
           <a:p>
             <a:fld id="{648283BF-D07E-4268-AD41-E2A23B7C6AA4}" type="datetimeFigureOut">
               <a:rPr lang="zh-CN" altLang="en-US" smtClean="0"/>
-              <a:t>2020/4/6</a:t>
+              <a:t>2020/4/7</a:t>
             </a:fld>
             <a:endParaRPr lang="zh-CN" altLang="en-US"/>
           </a:p>
@@ -2669,7 +2671,7 @@
           <a:p>
             <a:fld id="{648283BF-D07E-4268-AD41-E2A23B7C6AA4}" type="datetimeFigureOut">
               <a:rPr lang="zh-CN" altLang="en-US" smtClean="0"/>
-              <a:t>2020/4/6</a:t>
+              <a:t>2020/4/7</a:t>
             </a:fld>
             <a:endParaRPr lang="zh-CN" altLang="en-US"/>
           </a:p>
@@ -2910,7 +2912,7 @@
           <a:p>
             <a:fld id="{648283BF-D07E-4268-AD41-E2A23B7C6AA4}" type="datetimeFigureOut">
               <a:rPr lang="zh-CN" altLang="en-US" smtClean="0"/>
-              <a:t>2020/4/6</a:t>
+              <a:t>2020/4/7</a:t>
             </a:fld>
             <a:endParaRPr lang="zh-CN" altLang="en-US"/>
           </a:p>
@@ -6653,6 +6655,2735 @@
 </p:sld>
 </file>
 
+<file path=ppt/slides/slide3.xml><?xml version="1.0" encoding="utf-8"?>
+<p:sld xmlns:a="http://schemas.openxmlformats.org/drawingml/2006/main" xmlns:r="http://schemas.openxmlformats.org/officeDocument/2006/relationships" xmlns:p="http://schemas.openxmlformats.org/presentationml/2006/main">
+  <p:cSld>
+    <p:spTree>
+      <p:nvGrpSpPr>
+        <p:cNvPr id="1" name=""/>
+        <p:cNvGrpSpPr/>
+        <p:nvPr/>
+      </p:nvGrpSpPr>
+      <p:grpSpPr>
+        <a:xfrm>
+          <a:off x="0" y="0"/>
+          <a:ext cx="0" cy="0"/>
+          <a:chOff x="0" y="0"/>
+          <a:chExt cx="0" cy="0"/>
+        </a:xfrm>
+      </p:grpSpPr>
+      <p:sp>
+        <p:nvSpPr>
+          <p:cNvPr id="96" name="矩形 95">
+            <a:extLst>
+              <a:ext uri="{FF2B5EF4-FFF2-40B4-BE49-F238E27FC236}">
+                <a16:creationId xmlns:a16="http://schemas.microsoft.com/office/drawing/2014/main" id="{E61A76FA-DB87-4DD9-8700-71CFAAEEFC1C}"/>
+              </a:ext>
+            </a:extLst>
+          </p:cNvPr>
+          <p:cNvSpPr/>
+          <p:nvPr/>
+        </p:nvSpPr>
+        <p:spPr>
+          <a:xfrm>
+            <a:off x="-914400" y="-1828800"/>
+            <a:ext cx="13634720" cy="8818880"/>
+          </a:xfrm>
+          <a:prstGeom prst="rect">
+            <a:avLst/>
+          </a:prstGeom>
+          <a:solidFill>
+            <a:schemeClr val="bg1"/>
+          </a:solidFill>
+        </p:spPr>
+        <p:style>
+          <a:lnRef idx="2">
+            <a:schemeClr val="accent1">
+              <a:shade val="50000"/>
+            </a:schemeClr>
+          </a:lnRef>
+          <a:fillRef idx="1">
+            <a:schemeClr val="accent1"/>
+          </a:fillRef>
+          <a:effectRef idx="0">
+            <a:schemeClr val="accent1"/>
+          </a:effectRef>
+          <a:fontRef idx="minor">
+            <a:schemeClr val="lt1"/>
+          </a:fontRef>
+        </p:style>
+        <p:txBody>
+          <a:bodyPr rtlCol="0" anchor="ctr"/>
+          <a:lstStyle/>
+          <a:p>
+            <a:pPr algn="ctr"/>
+            <a:endParaRPr lang="zh-CN" altLang="en-US"/>
+          </a:p>
+        </p:txBody>
+      </p:sp>
+      <p:sp>
+        <p:nvSpPr>
+          <p:cNvPr id="4" name="矩形: 圆角 3">
+            <a:extLst>
+              <a:ext uri="{FF2B5EF4-FFF2-40B4-BE49-F238E27FC236}">
+                <a16:creationId xmlns:a16="http://schemas.microsoft.com/office/drawing/2014/main" id="{2FB7E6AD-8338-450A-B0B5-383116815AA3}"/>
+              </a:ext>
+            </a:extLst>
+          </p:cNvPr>
+          <p:cNvSpPr/>
+          <p:nvPr/>
+        </p:nvSpPr>
+        <p:spPr>
+          <a:xfrm>
+            <a:off x="2443397" y="1681647"/>
+            <a:ext cx="2728210" cy="719527"/>
+          </a:xfrm>
+          <a:prstGeom prst="roundRect">
+            <a:avLst/>
+          </a:prstGeom>
+          <a:solidFill>
+            <a:schemeClr val="accent6">
+              <a:lumMod val="60000"/>
+              <a:lumOff val="40000"/>
+            </a:schemeClr>
+          </a:solidFill>
+          <a:ln>
+            <a:solidFill>
+              <a:schemeClr val="accent6">
+                <a:lumMod val="60000"/>
+                <a:lumOff val="40000"/>
+              </a:schemeClr>
+            </a:solidFill>
+          </a:ln>
+        </p:spPr>
+        <p:style>
+          <a:lnRef idx="2">
+            <a:schemeClr val="accent1">
+              <a:shade val="50000"/>
+            </a:schemeClr>
+          </a:lnRef>
+          <a:fillRef idx="1">
+            <a:schemeClr val="accent1"/>
+          </a:fillRef>
+          <a:effectRef idx="0">
+            <a:schemeClr val="accent1"/>
+          </a:effectRef>
+          <a:fontRef idx="minor">
+            <a:schemeClr val="lt1"/>
+          </a:fontRef>
+        </p:style>
+        <p:txBody>
+          <a:bodyPr rtlCol="0" anchor="ctr"/>
+          <a:lstStyle/>
+          <a:p>
+            <a:pPr algn="ctr"/>
+            <a:r>
+              <a:rPr lang="en-US" altLang="zh-CN" dirty="0">
+                <a:solidFill>
+                  <a:schemeClr val="tx1"/>
+                </a:solidFill>
+              </a:rPr>
+              <a:t>Message Bus</a:t>
+            </a:r>
+            <a:endParaRPr lang="zh-CN" altLang="en-US" dirty="0">
+              <a:solidFill>
+                <a:schemeClr val="tx1"/>
+              </a:solidFill>
+            </a:endParaRPr>
+          </a:p>
+        </p:txBody>
+      </p:sp>
+      <p:cxnSp>
+        <p:nvCxnSpPr>
+          <p:cNvPr id="8" name="直接箭头连接符 7">
+            <a:extLst>
+              <a:ext uri="{FF2B5EF4-FFF2-40B4-BE49-F238E27FC236}">
+                <a16:creationId xmlns:a16="http://schemas.microsoft.com/office/drawing/2014/main" id="{80837AD0-409D-47C7-8319-BF326F9CEE4B}"/>
+              </a:ext>
+            </a:extLst>
+          </p:cNvPr>
+          <p:cNvCxnSpPr>
+            <a:cxnSpLocks/>
+            <a:endCxn id="4" idx="3"/>
+          </p:cNvCxnSpPr>
+          <p:nvPr/>
+        </p:nvCxnSpPr>
+        <p:spPr>
+          <a:xfrm flipH="1">
+            <a:off x="5171607" y="2041411"/>
+            <a:ext cx="365593" cy="0"/>
+          </a:xfrm>
+          <a:prstGeom prst="straightConnector1">
+            <a:avLst/>
+          </a:prstGeom>
+          <a:ln w="28575">
+            <a:solidFill>
+              <a:srgbClr val="FFC000"/>
+            </a:solidFill>
+            <a:headEnd type="triangle"/>
+            <a:tailEnd type="triangle"/>
+          </a:ln>
+        </p:spPr>
+        <p:style>
+          <a:lnRef idx="1">
+            <a:schemeClr val="accent1"/>
+          </a:lnRef>
+          <a:fillRef idx="0">
+            <a:schemeClr val="accent1"/>
+          </a:fillRef>
+          <a:effectRef idx="0">
+            <a:schemeClr val="accent1"/>
+          </a:effectRef>
+          <a:fontRef idx="minor">
+            <a:schemeClr val="tx1"/>
+          </a:fontRef>
+        </p:style>
+      </p:cxnSp>
+      <p:cxnSp>
+        <p:nvCxnSpPr>
+          <p:cNvPr id="11" name="直接箭头连接符 10">
+            <a:extLst>
+              <a:ext uri="{FF2B5EF4-FFF2-40B4-BE49-F238E27FC236}">
+                <a16:creationId xmlns:a16="http://schemas.microsoft.com/office/drawing/2014/main" id="{24340BD7-DFB2-40C6-BFE1-8D67C2D67BCA}"/>
+              </a:ext>
+            </a:extLst>
+          </p:cNvPr>
+          <p:cNvCxnSpPr>
+            <a:cxnSpLocks/>
+          </p:cNvCxnSpPr>
+          <p:nvPr/>
+        </p:nvCxnSpPr>
+        <p:spPr>
+          <a:xfrm flipH="1">
+            <a:off x="2077804" y="2040662"/>
+            <a:ext cx="365593" cy="0"/>
+          </a:xfrm>
+          <a:prstGeom prst="straightConnector1">
+            <a:avLst/>
+          </a:prstGeom>
+          <a:ln w="28575">
+            <a:solidFill>
+              <a:srgbClr val="FFC000"/>
+            </a:solidFill>
+            <a:headEnd type="triangle"/>
+            <a:tailEnd type="triangle"/>
+          </a:ln>
+        </p:spPr>
+        <p:style>
+          <a:lnRef idx="1">
+            <a:schemeClr val="accent1"/>
+          </a:lnRef>
+          <a:fillRef idx="0">
+            <a:schemeClr val="accent1"/>
+          </a:fillRef>
+          <a:effectRef idx="0">
+            <a:schemeClr val="accent1"/>
+          </a:effectRef>
+          <a:fontRef idx="minor">
+            <a:schemeClr val="tx1"/>
+          </a:fontRef>
+        </p:style>
+      </p:cxnSp>
+      <p:cxnSp>
+        <p:nvCxnSpPr>
+          <p:cNvPr id="12" name="直接箭头连接符 11">
+            <a:extLst>
+              <a:ext uri="{FF2B5EF4-FFF2-40B4-BE49-F238E27FC236}">
+                <a16:creationId xmlns:a16="http://schemas.microsoft.com/office/drawing/2014/main" id="{BC8727B3-D3EC-4C71-9458-64B1BFD5F604}"/>
+              </a:ext>
+            </a:extLst>
+          </p:cNvPr>
+          <p:cNvCxnSpPr>
+            <a:cxnSpLocks/>
+          </p:cNvCxnSpPr>
+          <p:nvPr/>
+        </p:nvCxnSpPr>
+        <p:spPr>
+          <a:xfrm>
+            <a:off x="3794844" y="2401174"/>
+            <a:ext cx="0" cy="898013"/>
+          </a:xfrm>
+          <a:prstGeom prst="straightConnector1">
+            <a:avLst/>
+          </a:prstGeom>
+          <a:ln w="28575">
+            <a:solidFill>
+              <a:srgbClr val="FFC000"/>
+            </a:solidFill>
+            <a:headEnd type="triangle"/>
+            <a:tailEnd type="triangle"/>
+          </a:ln>
+        </p:spPr>
+        <p:style>
+          <a:lnRef idx="1">
+            <a:schemeClr val="accent1"/>
+          </a:lnRef>
+          <a:fillRef idx="0">
+            <a:schemeClr val="accent1"/>
+          </a:fillRef>
+          <a:effectRef idx="0">
+            <a:schemeClr val="accent1"/>
+          </a:effectRef>
+          <a:fontRef idx="minor">
+            <a:schemeClr val="tx1"/>
+          </a:fontRef>
+        </p:style>
+      </p:cxnSp>
+      <p:sp>
+        <p:nvSpPr>
+          <p:cNvPr id="14" name="矩形: 圆角 13">
+            <a:extLst>
+              <a:ext uri="{FF2B5EF4-FFF2-40B4-BE49-F238E27FC236}">
+                <a16:creationId xmlns:a16="http://schemas.microsoft.com/office/drawing/2014/main" id="{4E155109-1DD9-4A33-A963-376F80FF7977}"/>
+              </a:ext>
+            </a:extLst>
+          </p:cNvPr>
+          <p:cNvSpPr/>
+          <p:nvPr/>
+        </p:nvSpPr>
+        <p:spPr>
+          <a:xfrm>
+            <a:off x="8836577" y="2199057"/>
+            <a:ext cx="2728210" cy="719527"/>
+          </a:xfrm>
+          <a:prstGeom prst="roundRect">
+            <a:avLst/>
+          </a:prstGeom>
+          <a:solidFill>
+            <a:schemeClr val="accent5">
+              <a:lumMod val="40000"/>
+              <a:lumOff val="60000"/>
+            </a:schemeClr>
+          </a:solidFill>
+          <a:ln>
+            <a:noFill/>
+          </a:ln>
+        </p:spPr>
+        <p:style>
+          <a:lnRef idx="2">
+            <a:schemeClr val="accent1">
+              <a:shade val="50000"/>
+            </a:schemeClr>
+          </a:lnRef>
+          <a:fillRef idx="1">
+            <a:schemeClr val="accent1"/>
+          </a:fillRef>
+          <a:effectRef idx="0">
+            <a:schemeClr val="accent1"/>
+          </a:effectRef>
+          <a:fontRef idx="minor">
+            <a:schemeClr val="lt1"/>
+          </a:fontRef>
+        </p:style>
+        <p:txBody>
+          <a:bodyPr rtlCol="0" anchor="ctr"/>
+          <a:lstStyle/>
+          <a:p>
+            <a:pPr algn="ctr"/>
+            <a:r>
+              <a:rPr lang="en-US" altLang="zh-CN" dirty="0">
+                <a:solidFill>
+                  <a:schemeClr val="tx1"/>
+                </a:solidFill>
+              </a:rPr>
+              <a:t>Message Bus</a:t>
+            </a:r>
+            <a:endParaRPr lang="zh-CN" altLang="en-US" dirty="0">
+              <a:solidFill>
+                <a:schemeClr val="tx1"/>
+              </a:solidFill>
+            </a:endParaRPr>
+          </a:p>
+        </p:txBody>
+      </p:sp>
+      <p:sp>
+        <p:nvSpPr>
+          <p:cNvPr id="15" name="矩形: 圆角 14">
+            <a:extLst>
+              <a:ext uri="{FF2B5EF4-FFF2-40B4-BE49-F238E27FC236}">
+                <a16:creationId xmlns:a16="http://schemas.microsoft.com/office/drawing/2014/main" id="{52BAEA57-026F-4E6D-B47F-B05D710E2738}"/>
+              </a:ext>
+            </a:extLst>
+          </p:cNvPr>
+          <p:cNvSpPr/>
+          <p:nvPr/>
+        </p:nvSpPr>
+        <p:spPr>
+          <a:xfrm>
+            <a:off x="5742775" y="2199057"/>
+            <a:ext cx="2728210" cy="719527"/>
+          </a:xfrm>
+          <a:prstGeom prst="roundRect">
+            <a:avLst/>
+          </a:prstGeom>
+          <a:solidFill>
+            <a:schemeClr val="accent5">
+              <a:lumMod val="40000"/>
+              <a:lumOff val="60000"/>
+            </a:schemeClr>
+          </a:solidFill>
+          <a:ln>
+            <a:noFill/>
+          </a:ln>
+        </p:spPr>
+        <p:style>
+          <a:lnRef idx="2">
+            <a:schemeClr val="accent1">
+              <a:shade val="50000"/>
+            </a:schemeClr>
+          </a:lnRef>
+          <a:fillRef idx="1">
+            <a:schemeClr val="accent1"/>
+          </a:fillRef>
+          <a:effectRef idx="0">
+            <a:schemeClr val="accent1"/>
+          </a:effectRef>
+          <a:fontRef idx="minor">
+            <a:schemeClr val="lt1"/>
+          </a:fontRef>
+        </p:style>
+        <p:txBody>
+          <a:bodyPr rtlCol="0" anchor="ctr"/>
+          <a:lstStyle/>
+          <a:p>
+            <a:pPr algn="ctr"/>
+            <a:r>
+              <a:rPr lang="en-US" altLang="zh-CN" dirty="0">
+                <a:solidFill>
+                  <a:schemeClr val="tx1"/>
+                </a:solidFill>
+              </a:rPr>
+              <a:t>IMU</a:t>
+            </a:r>
+            <a:endParaRPr lang="zh-CN" altLang="en-US" dirty="0">
+              <a:solidFill>
+                <a:schemeClr val="tx1"/>
+              </a:solidFill>
+            </a:endParaRPr>
+          </a:p>
+        </p:txBody>
+      </p:sp>
+      <p:sp>
+        <p:nvSpPr>
+          <p:cNvPr id="16" name="矩形: 圆角 15">
+            <a:extLst>
+              <a:ext uri="{FF2B5EF4-FFF2-40B4-BE49-F238E27FC236}">
+                <a16:creationId xmlns:a16="http://schemas.microsoft.com/office/drawing/2014/main" id="{B9D4A1D2-29FE-4D9D-A98A-F0C0AADB6E0D}"/>
+              </a:ext>
+            </a:extLst>
+          </p:cNvPr>
+          <p:cNvSpPr/>
+          <p:nvPr/>
+        </p:nvSpPr>
+        <p:spPr>
+          <a:xfrm>
+            <a:off x="5742775" y="1289779"/>
+            <a:ext cx="2728210" cy="719527"/>
+          </a:xfrm>
+          <a:prstGeom prst="roundRect">
+            <a:avLst/>
+          </a:prstGeom>
+          <a:solidFill>
+            <a:schemeClr val="accent5">
+              <a:lumMod val="40000"/>
+              <a:lumOff val="60000"/>
+            </a:schemeClr>
+          </a:solidFill>
+          <a:ln>
+            <a:noFill/>
+          </a:ln>
+        </p:spPr>
+        <p:style>
+          <a:lnRef idx="2">
+            <a:schemeClr val="accent1">
+              <a:shade val="50000"/>
+            </a:schemeClr>
+          </a:lnRef>
+          <a:fillRef idx="1">
+            <a:schemeClr val="accent1"/>
+          </a:fillRef>
+          <a:effectRef idx="0">
+            <a:schemeClr val="accent1"/>
+          </a:effectRef>
+          <a:fontRef idx="minor">
+            <a:schemeClr val="lt1"/>
+          </a:fontRef>
+        </p:style>
+        <p:txBody>
+          <a:bodyPr rtlCol="0" anchor="ctr"/>
+          <a:lstStyle/>
+          <a:p>
+            <a:pPr algn="ctr"/>
+            <a:r>
+              <a:rPr lang="en-US" altLang="zh-CN" dirty="0">
+                <a:solidFill>
+                  <a:schemeClr val="tx1"/>
+                </a:solidFill>
+              </a:rPr>
+              <a:t>GPS</a:t>
+            </a:r>
+            <a:endParaRPr lang="zh-CN" altLang="en-US" dirty="0">
+              <a:solidFill>
+                <a:schemeClr val="tx1"/>
+              </a:solidFill>
+            </a:endParaRPr>
+          </a:p>
+        </p:txBody>
+      </p:sp>
+      <p:sp>
+        <p:nvSpPr>
+          <p:cNvPr id="17" name="矩形: 圆角 16">
+            <a:extLst>
+              <a:ext uri="{FF2B5EF4-FFF2-40B4-BE49-F238E27FC236}">
+                <a16:creationId xmlns:a16="http://schemas.microsoft.com/office/drawing/2014/main" id="{90D688D1-F5CA-4CC4-8523-09125304D4A4}"/>
+              </a:ext>
+            </a:extLst>
+          </p:cNvPr>
+          <p:cNvSpPr/>
+          <p:nvPr/>
+        </p:nvSpPr>
+        <p:spPr>
+          <a:xfrm>
+            <a:off x="8836577" y="1289780"/>
+            <a:ext cx="2728210" cy="719527"/>
+          </a:xfrm>
+          <a:prstGeom prst="roundRect">
+            <a:avLst/>
+          </a:prstGeom>
+          <a:solidFill>
+            <a:schemeClr val="accent5">
+              <a:lumMod val="40000"/>
+              <a:lumOff val="60000"/>
+            </a:schemeClr>
+          </a:solidFill>
+          <a:ln>
+            <a:noFill/>
+          </a:ln>
+        </p:spPr>
+        <p:style>
+          <a:lnRef idx="2">
+            <a:schemeClr val="accent1">
+              <a:shade val="50000"/>
+            </a:schemeClr>
+          </a:lnRef>
+          <a:fillRef idx="1">
+            <a:schemeClr val="accent1"/>
+          </a:fillRef>
+          <a:effectRef idx="0">
+            <a:schemeClr val="accent1"/>
+          </a:effectRef>
+          <a:fontRef idx="minor">
+            <a:schemeClr val="lt1"/>
+          </a:fontRef>
+        </p:style>
+        <p:txBody>
+          <a:bodyPr rtlCol="0" anchor="ctr"/>
+          <a:lstStyle/>
+          <a:p>
+            <a:pPr algn="ctr"/>
+            <a:r>
+              <a:rPr lang="en-US" altLang="zh-CN" dirty="0">
+                <a:solidFill>
+                  <a:schemeClr val="tx1"/>
+                </a:solidFill>
+              </a:rPr>
+              <a:t>RC Input</a:t>
+            </a:r>
+            <a:endParaRPr lang="zh-CN" altLang="en-US" dirty="0">
+              <a:solidFill>
+                <a:schemeClr val="tx1"/>
+              </a:solidFill>
+            </a:endParaRPr>
+          </a:p>
+        </p:txBody>
+      </p:sp>
+      <p:sp>
+        <p:nvSpPr>
+          <p:cNvPr id="18" name="矩形 17">
+            <a:extLst>
+              <a:ext uri="{FF2B5EF4-FFF2-40B4-BE49-F238E27FC236}">
+                <a16:creationId xmlns:a16="http://schemas.microsoft.com/office/drawing/2014/main" id="{132E6042-1945-4944-96A5-0BC78EDA86F3}"/>
+              </a:ext>
+            </a:extLst>
+          </p:cNvPr>
+          <p:cNvSpPr/>
+          <p:nvPr/>
+        </p:nvSpPr>
+        <p:spPr>
+          <a:xfrm>
+            <a:off x="5356860" y="747456"/>
+            <a:ext cx="6556131" cy="2369124"/>
+          </a:xfrm>
+          <a:prstGeom prst="rect">
+            <a:avLst/>
+          </a:prstGeom>
+          <a:noFill/>
+          <a:ln w="19050">
+            <a:solidFill>
+              <a:schemeClr val="tx2">
+                <a:lumMod val="60000"/>
+                <a:lumOff val="40000"/>
+              </a:schemeClr>
+            </a:solidFill>
+          </a:ln>
+        </p:spPr>
+        <p:style>
+          <a:lnRef idx="2">
+            <a:schemeClr val="accent1">
+              <a:shade val="50000"/>
+            </a:schemeClr>
+          </a:lnRef>
+          <a:fillRef idx="1">
+            <a:schemeClr val="accent1"/>
+          </a:fillRef>
+          <a:effectRef idx="0">
+            <a:schemeClr val="accent1"/>
+          </a:effectRef>
+          <a:fontRef idx="minor">
+            <a:schemeClr val="lt1"/>
+          </a:fontRef>
+        </p:style>
+        <p:txBody>
+          <a:bodyPr numCol="3" rtlCol="0" anchor="ctr"/>
+          <a:lstStyle/>
+          <a:p>
+            <a:endParaRPr lang="zh-CN" altLang="en-US" dirty="0">
+              <a:solidFill>
+                <a:schemeClr val="tx1"/>
+              </a:solidFill>
+              <a:latin typeface="Times New Roman" panose="02020603050405020304" pitchFamily="18" charset="0"/>
+              <a:cs typeface="Times New Roman" panose="02020603050405020304" pitchFamily="18" charset="0"/>
+            </a:endParaRPr>
+          </a:p>
+        </p:txBody>
+      </p:sp>
+      <p:sp>
+        <p:nvSpPr>
+          <p:cNvPr id="19" name="矩形 18">
+            <a:extLst>
+              <a:ext uri="{FF2B5EF4-FFF2-40B4-BE49-F238E27FC236}">
+                <a16:creationId xmlns:a16="http://schemas.microsoft.com/office/drawing/2014/main" id="{444A71A1-BE37-4F0E-989F-0874121311C6}"/>
+              </a:ext>
+            </a:extLst>
+          </p:cNvPr>
+          <p:cNvSpPr/>
+          <p:nvPr/>
+        </p:nvSpPr>
+        <p:spPr>
+          <a:xfrm>
+            <a:off x="5354403" y="751535"/>
+            <a:ext cx="1572177" cy="420772"/>
+          </a:xfrm>
+          <a:prstGeom prst="rect">
+            <a:avLst/>
+          </a:prstGeom>
+          <a:noFill/>
+          <a:ln w="19050">
+            <a:solidFill>
+              <a:schemeClr val="tx2">
+                <a:lumMod val="60000"/>
+                <a:lumOff val="40000"/>
+              </a:schemeClr>
+            </a:solidFill>
+          </a:ln>
+        </p:spPr>
+        <p:style>
+          <a:lnRef idx="2">
+            <a:schemeClr val="accent1">
+              <a:shade val="50000"/>
+            </a:schemeClr>
+          </a:lnRef>
+          <a:fillRef idx="1">
+            <a:schemeClr val="accent1"/>
+          </a:fillRef>
+          <a:effectRef idx="0">
+            <a:schemeClr val="accent1"/>
+          </a:effectRef>
+          <a:fontRef idx="minor">
+            <a:schemeClr val="lt1"/>
+          </a:fontRef>
+        </p:style>
+        <p:txBody>
+          <a:bodyPr numCol="1" rtlCol="0" anchor="ctr"/>
+          <a:lstStyle/>
+          <a:p>
+            <a:pPr algn="ctr"/>
+            <a:r>
+              <a:rPr lang="en-US" altLang="zh-CN" sz="1600" dirty="0">
+                <a:solidFill>
+                  <a:schemeClr val="accent1"/>
+                </a:solidFill>
+                <a:latin typeface="Times New Roman" panose="02020603050405020304" pitchFamily="18" charset="0"/>
+                <a:cs typeface="Times New Roman" panose="02020603050405020304" pitchFamily="18" charset="0"/>
+              </a:rPr>
+              <a:t>DRIVERS</a:t>
+            </a:r>
+            <a:endParaRPr lang="zh-CN" altLang="en-US" sz="1600" dirty="0">
+              <a:solidFill>
+                <a:schemeClr val="accent1"/>
+              </a:solidFill>
+              <a:latin typeface="Times New Roman" panose="02020603050405020304" pitchFamily="18" charset="0"/>
+              <a:cs typeface="Times New Roman" panose="02020603050405020304" pitchFamily="18" charset="0"/>
+            </a:endParaRPr>
+          </a:p>
+        </p:txBody>
+      </p:sp>
+      <p:sp>
+        <p:nvSpPr>
+          <p:cNvPr id="20" name="矩形: 圆角 19">
+            <a:extLst>
+              <a:ext uri="{FF2B5EF4-FFF2-40B4-BE49-F238E27FC236}">
+                <a16:creationId xmlns:a16="http://schemas.microsoft.com/office/drawing/2014/main" id="{8387669B-E18F-4935-BB44-E2412C269F9C}"/>
+              </a:ext>
+            </a:extLst>
+          </p:cNvPr>
+          <p:cNvSpPr/>
+          <p:nvPr/>
+        </p:nvSpPr>
+        <p:spPr>
+          <a:xfrm>
+            <a:off x="3690088" y="5670223"/>
+            <a:ext cx="2728210" cy="719527"/>
+          </a:xfrm>
+          <a:prstGeom prst="roundRect">
+            <a:avLst/>
+          </a:prstGeom>
+          <a:solidFill>
+            <a:schemeClr val="accent5">
+              <a:lumMod val="40000"/>
+              <a:lumOff val="60000"/>
+            </a:schemeClr>
+          </a:solidFill>
+          <a:ln>
+            <a:noFill/>
+          </a:ln>
+        </p:spPr>
+        <p:style>
+          <a:lnRef idx="2">
+            <a:schemeClr val="accent1">
+              <a:shade val="50000"/>
+            </a:schemeClr>
+          </a:lnRef>
+          <a:fillRef idx="1">
+            <a:schemeClr val="accent1"/>
+          </a:fillRef>
+          <a:effectRef idx="0">
+            <a:schemeClr val="accent1"/>
+          </a:effectRef>
+          <a:fontRef idx="minor">
+            <a:schemeClr val="lt1"/>
+          </a:fontRef>
+        </p:style>
+        <p:txBody>
+          <a:bodyPr rtlCol="0" anchor="ctr"/>
+          <a:lstStyle/>
+          <a:p>
+            <a:pPr algn="ctr"/>
+            <a:r>
+              <a:rPr lang="en-US" altLang="zh-CN" dirty="0">
+                <a:solidFill>
+                  <a:schemeClr val="tx1"/>
+                </a:solidFill>
+              </a:rPr>
+              <a:t>Attitude Control</a:t>
+            </a:r>
+            <a:endParaRPr lang="zh-CN" altLang="en-US" dirty="0">
+              <a:solidFill>
+                <a:schemeClr val="tx1"/>
+              </a:solidFill>
+            </a:endParaRPr>
+          </a:p>
+        </p:txBody>
+      </p:sp>
+      <p:sp>
+        <p:nvSpPr>
+          <p:cNvPr id="21" name="矩形: 圆角 20">
+            <a:extLst>
+              <a:ext uri="{FF2B5EF4-FFF2-40B4-BE49-F238E27FC236}">
+                <a16:creationId xmlns:a16="http://schemas.microsoft.com/office/drawing/2014/main" id="{7A83F263-E036-41C3-A740-11FD50D27E26}"/>
+              </a:ext>
+            </a:extLst>
+          </p:cNvPr>
+          <p:cNvSpPr/>
+          <p:nvPr/>
+        </p:nvSpPr>
+        <p:spPr>
+          <a:xfrm>
+            <a:off x="3690088" y="4750764"/>
+            <a:ext cx="2728210" cy="719527"/>
+          </a:xfrm>
+          <a:prstGeom prst="roundRect">
+            <a:avLst/>
+          </a:prstGeom>
+          <a:solidFill>
+            <a:schemeClr val="accent5">
+              <a:lumMod val="40000"/>
+              <a:lumOff val="60000"/>
+            </a:schemeClr>
+          </a:solidFill>
+          <a:ln>
+            <a:noFill/>
+          </a:ln>
+        </p:spPr>
+        <p:style>
+          <a:lnRef idx="2">
+            <a:schemeClr val="accent1">
+              <a:shade val="50000"/>
+            </a:schemeClr>
+          </a:lnRef>
+          <a:fillRef idx="1">
+            <a:schemeClr val="accent1"/>
+          </a:fillRef>
+          <a:effectRef idx="0">
+            <a:schemeClr val="accent1"/>
+          </a:effectRef>
+          <a:fontRef idx="minor">
+            <a:schemeClr val="lt1"/>
+          </a:fontRef>
+        </p:style>
+        <p:txBody>
+          <a:bodyPr rtlCol="0" anchor="ctr"/>
+          <a:lstStyle/>
+          <a:p>
+            <a:pPr algn="ctr"/>
+            <a:r>
+              <a:rPr lang="en-US" altLang="zh-CN" dirty="0">
+                <a:solidFill>
+                  <a:schemeClr val="tx1"/>
+                </a:solidFill>
+              </a:rPr>
+              <a:t>Position Control</a:t>
+            </a:r>
+            <a:endParaRPr lang="zh-CN" altLang="en-US" dirty="0">
+              <a:solidFill>
+                <a:schemeClr val="tx1"/>
+              </a:solidFill>
+            </a:endParaRPr>
+          </a:p>
+        </p:txBody>
+      </p:sp>
+      <p:sp>
+        <p:nvSpPr>
+          <p:cNvPr id="22" name="矩形: 圆角 21">
+            <a:extLst>
+              <a:ext uri="{FF2B5EF4-FFF2-40B4-BE49-F238E27FC236}">
+                <a16:creationId xmlns:a16="http://schemas.microsoft.com/office/drawing/2014/main" id="{0A5DFE86-37D4-4740-85D5-89C30103E02F}"/>
+              </a:ext>
+            </a:extLst>
+          </p:cNvPr>
+          <p:cNvSpPr/>
+          <p:nvPr/>
+        </p:nvSpPr>
+        <p:spPr>
+          <a:xfrm>
+            <a:off x="713699" y="3827492"/>
+            <a:ext cx="2728210" cy="719527"/>
+          </a:xfrm>
+          <a:prstGeom prst="roundRect">
+            <a:avLst/>
+          </a:prstGeom>
+          <a:solidFill>
+            <a:schemeClr val="accent5">
+              <a:lumMod val="40000"/>
+              <a:lumOff val="60000"/>
+            </a:schemeClr>
+          </a:solidFill>
+          <a:ln>
+            <a:noFill/>
+          </a:ln>
+        </p:spPr>
+        <p:style>
+          <a:lnRef idx="2">
+            <a:schemeClr val="accent1">
+              <a:shade val="50000"/>
+            </a:schemeClr>
+          </a:lnRef>
+          <a:fillRef idx="1">
+            <a:schemeClr val="accent1"/>
+          </a:fillRef>
+          <a:effectRef idx="0">
+            <a:schemeClr val="accent1"/>
+          </a:effectRef>
+          <a:fontRef idx="minor">
+            <a:schemeClr val="lt1"/>
+          </a:fontRef>
+        </p:style>
+        <p:txBody>
+          <a:bodyPr rtlCol="0" anchor="ctr"/>
+          <a:lstStyle/>
+          <a:p>
+            <a:pPr algn="ctr"/>
+            <a:r>
+              <a:rPr lang="en-US" altLang="zh-CN" dirty="0">
+                <a:solidFill>
+                  <a:schemeClr val="tx1"/>
+                </a:solidFill>
+              </a:rPr>
+              <a:t>State Machine</a:t>
+            </a:r>
+            <a:endParaRPr lang="zh-CN" altLang="en-US" dirty="0">
+              <a:solidFill>
+                <a:schemeClr val="tx1"/>
+              </a:solidFill>
+            </a:endParaRPr>
+          </a:p>
+        </p:txBody>
+      </p:sp>
+      <p:sp>
+        <p:nvSpPr>
+          <p:cNvPr id="23" name="矩形: 圆角 22">
+            <a:extLst>
+              <a:ext uri="{FF2B5EF4-FFF2-40B4-BE49-F238E27FC236}">
+                <a16:creationId xmlns:a16="http://schemas.microsoft.com/office/drawing/2014/main" id="{4F906CD1-BF45-4DA1-AD1E-0D4154961C68}"/>
+              </a:ext>
+            </a:extLst>
+          </p:cNvPr>
+          <p:cNvSpPr/>
+          <p:nvPr/>
+        </p:nvSpPr>
+        <p:spPr>
+          <a:xfrm>
+            <a:off x="3710411" y="3831305"/>
+            <a:ext cx="2728210" cy="719527"/>
+          </a:xfrm>
+          <a:prstGeom prst="roundRect">
+            <a:avLst/>
+          </a:prstGeom>
+          <a:solidFill>
+            <a:schemeClr val="accent5">
+              <a:lumMod val="40000"/>
+              <a:lumOff val="60000"/>
+            </a:schemeClr>
+          </a:solidFill>
+          <a:ln>
+            <a:noFill/>
+          </a:ln>
+        </p:spPr>
+        <p:style>
+          <a:lnRef idx="2">
+            <a:schemeClr val="accent1">
+              <a:shade val="50000"/>
+            </a:schemeClr>
+          </a:lnRef>
+          <a:fillRef idx="1">
+            <a:schemeClr val="accent1"/>
+          </a:fillRef>
+          <a:effectRef idx="0">
+            <a:schemeClr val="accent1"/>
+          </a:effectRef>
+          <a:fontRef idx="minor">
+            <a:schemeClr val="lt1"/>
+          </a:fontRef>
+        </p:style>
+        <p:txBody>
+          <a:bodyPr rtlCol="0" anchor="ctr"/>
+          <a:lstStyle/>
+          <a:p>
+            <a:pPr algn="ctr"/>
+            <a:r>
+              <a:rPr lang="en-US" altLang="zh-CN" dirty="0">
+                <a:solidFill>
+                  <a:schemeClr val="tx1"/>
+                </a:solidFill>
+              </a:rPr>
+              <a:t>Navigator</a:t>
+            </a:r>
+            <a:endParaRPr lang="zh-CN" altLang="en-US" dirty="0">
+              <a:solidFill>
+                <a:schemeClr val="tx1"/>
+              </a:solidFill>
+            </a:endParaRPr>
+          </a:p>
+        </p:txBody>
+      </p:sp>
+      <p:sp>
+        <p:nvSpPr>
+          <p:cNvPr id="24" name="矩形 23">
+            <a:extLst>
+              <a:ext uri="{FF2B5EF4-FFF2-40B4-BE49-F238E27FC236}">
+                <a16:creationId xmlns:a16="http://schemas.microsoft.com/office/drawing/2014/main" id="{50F0148E-303F-4D33-B670-EE81847FB941}"/>
+              </a:ext>
+            </a:extLst>
+          </p:cNvPr>
+          <p:cNvSpPr/>
+          <p:nvPr/>
+        </p:nvSpPr>
+        <p:spPr>
+          <a:xfrm>
+            <a:off x="-718458" y="3303261"/>
+            <a:ext cx="12631444" cy="3554739"/>
+          </a:xfrm>
+          <a:prstGeom prst="rect">
+            <a:avLst/>
+          </a:prstGeom>
+          <a:noFill/>
+          <a:ln w="19050">
+            <a:solidFill>
+              <a:schemeClr val="tx2">
+                <a:lumMod val="60000"/>
+                <a:lumOff val="40000"/>
+              </a:schemeClr>
+            </a:solidFill>
+          </a:ln>
+        </p:spPr>
+        <p:style>
+          <a:lnRef idx="2">
+            <a:schemeClr val="accent1">
+              <a:shade val="50000"/>
+            </a:schemeClr>
+          </a:lnRef>
+          <a:fillRef idx="1">
+            <a:schemeClr val="accent1"/>
+          </a:fillRef>
+          <a:effectRef idx="0">
+            <a:schemeClr val="accent1"/>
+          </a:effectRef>
+          <a:fontRef idx="minor">
+            <a:schemeClr val="lt1"/>
+          </a:fontRef>
+        </p:style>
+        <p:txBody>
+          <a:bodyPr numCol="3" rtlCol="0" anchor="ctr"/>
+          <a:lstStyle/>
+          <a:p>
+            <a:endParaRPr lang="zh-CN" altLang="en-US" dirty="0">
+              <a:solidFill>
+                <a:schemeClr val="tx1"/>
+              </a:solidFill>
+              <a:latin typeface="Times New Roman" panose="02020603050405020304" pitchFamily="18" charset="0"/>
+              <a:cs typeface="Times New Roman" panose="02020603050405020304" pitchFamily="18" charset="0"/>
+            </a:endParaRPr>
+          </a:p>
+        </p:txBody>
+      </p:sp>
+      <p:sp>
+        <p:nvSpPr>
+          <p:cNvPr id="25" name="矩形 24">
+            <a:extLst>
+              <a:ext uri="{FF2B5EF4-FFF2-40B4-BE49-F238E27FC236}">
+                <a16:creationId xmlns:a16="http://schemas.microsoft.com/office/drawing/2014/main" id="{228111D7-7C04-4D10-A8A7-83C0BD48B305}"/>
+              </a:ext>
+            </a:extLst>
+          </p:cNvPr>
+          <p:cNvSpPr/>
+          <p:nvPr/>
+        </p:nvSpPr>
+        <p:spPr>
+          <a:xfrm>
+            <a:off x="-718458" y="3299187"/>
+            <a:ext cx="2181777" cy="420772"/>
+          </a:xfrm>
+          <a:prstGeom prst="rect">
+            <a:avLst/>
+          </a:prstGeom>
+          <a:noFill/>
+          <a:ln w="19050">
+            <a:solidFill>
+              <a:schemeClr val="tx2">
+                <a:lumMod val="60000"/>
+                <a:lumOff val="40000"/>
+              </a:schemeClr>
+            </a:solidFill>
+          </a:ln>
+        </p:spPr>
+        <p:style>
+          <a:lnRef idx="2">
+            <a:schemeClr val="accent1">
+              <a:shade val="50000"/>
+            </a:schemeClr>
+          </a:lnRef>
+          <a:fillRef idx="1">
+            <a:schemeClr val="accent1"/>
+          </a:fillRef>
+          <a:effectRef idx="0">
+            <a:schemeClr val="accent1"/>
+          </a:effectRef>
+          <a:fontRef idx="minor">
+            <a:schemeClr val="lt1"/>
+          </a:fontRef>
+        </p:style>
+        <p:txBody>
+          <a:bodyPr numCol="1" rtlCol="0" anchor="ctr"/>
+          <a:lstStyle/>
+          <a:p>
+            <a:pPr algn="ctr"/>
+            <a:r>
+              <a:rPr lang="en-US" altLang="zh-CN" sz="1600" dirty="0">
+                <a:solidFill>
+                  <a:schemeClr val="accent1"/>
+                </a:solidFill>
+                <a:latin typeface="Times New Roman" panose="02020603050405020304" pitchFamily="18" charset="0"/>
+                <a:cs typeface="Times New Roman" panose="02020603050405020304" pitchFamily="18" charset="0"/>
+              </a:rPr>
+              <a:t>FLIGHT CONTROL</a:t>
+            </a:r>
+            <a:endParaRPr lang="zh-CN" altLang="en-US" sz="1600" dirty="0">
+              <a:solidFill>
+                <a:schemeClr val="accent1"/>
+              </a:solidFill>
+              <a:latin typeface="Times New Roman" panose="02020603050405020304" pitchFamily="18" charset="0"/>
+              <a:cs typeface="Times New Roman" panose="02020603050405020304" pitchFamily="18" charset="0"/>
+            </a:endParaRPr>
+          </a:p>
+        </p:txBody>
+      </p:sp>
+      <p:sp>
+        <p:nvSpPr>
+          <p:cNvPr id="26" name="矩形: 圆角 25">
+            <a:extLst>
+              <a:ext uri="{FF2B5EF4-FFF2-40B4-BE49-F238E27FC236}">
+                <a16:creationId xmlns:a16="http://schemas.microsoft.com/office/drawing/2014/main" id="{ED3B4C58-C65C-421C-9F95-08F711E8A979}"/>
+              </a:ext>
+            </a:extLst>
+          </p:cNvPr>
+          <p:cNvSpPr/>
+          <p:nvPr/>
+        </p:nvSpPr>
+        <p:spPr>
+          <a:xfrm>
+            <a:off x="7272065" y="3827492"/>
+            <a:ext cx="2728210" cy="719527"/>
+          </a:xfrm>
+          <a:prstGeom prst="roundRect">
+            <a:avLst/>
+          </a:prstGeom>
+          <a:solidFill>
+            <a:schemeClr val="accent5">
+              <a:lumMod val="40000"/>
+              <a:lumOff val="60000"/>
+            </a:schemeClr>
+          </a:solidFill>
+          <a:ln>
+            <a:noFill/>
+          </a:ln>
+        </p:spPr>
+        <p:style>
+          <a:lnRef idx="2">
+            <a:schemeClr val="accent1">
+              <a:shade val="50000"/>
+            </a:schemeClr>
+          </a:lnRef>
+          <a:fillRef idx="1">
+            <a:schemeClr val="accent1"/>
+          </a:fillRef>
+          <a:effectRef idx="0">
+            <a:schemeClr val="accent1"/>
+          </a:effectRef>
+          <a:fontRef idx="minor">
+            <a:schemeClr val="lt1"/>
+          </a:fontRef>
+        </p:style>
+        <p:txBody>
+          <a:bodyPr rtlCol="0" anchor="ctr"/>
+          <a:lstStyle/>
+          <a:p>
+            <a:pPr algn="ctr"/>
+            <a:r>
+              <a:rPr lang="en-US" altLang="zh-CN" dirty="0">
+                <a:solidFill>
+                  <a:schemeClr val="tx1"/>
+                </a:solidFill>
+              </a:rPr>
+              <a:t>Sensor Hub</a:t>
+            </a:r>
+            <a:endParaRPr lang="zh-CN" altLang="en-US" dirty="0">
+              <a:solidFill>
+                <a:schemeClr val="tx1"/>
+              </a:solidFill>
+            </a:endParaRPr>
+          </a:p>
+        </p:txBody>
+      </p:sp>
+      <p:sp>
+        <p:nvSpPr>
+          <p:cNvPr id="27" name="矩形: 圆角 26">
+            <a:extLst>
+              <a:ext uri="{FF2B5EF4-FFF2-40B4-BE49-F238E27FC236}">
+                <a16:creationId xmlns:a16="http://schemas.microsoft.com/office/drawing/2014/main" id="{3A9BE087-12E9-4C1F-BE91-8C9AE48FF32F}"/>
+              </a:ext>
+            </a:extLst>
+          </p:cNvPr>
+          <p:cNvSpPr/>
+          <p:nvPr/>
+        </p:nvSpPr>
+        <p:spPr>
+          <a:xfrm>
+            <a:off x="7272065" y="5670221"/>
+            <a:ext cx="2728210" cy="719527"/>
+          </a:xfrm>
+          <a:prstGeom prst="roundRect">
+            <a:avLst/>
+          </a:prstGeom>
+          <a:solidFill>
+            <a:schemeClr val="accent5">
+              <a:lumMod val="40000"/>
+              <a:lumOff val="60000"/>
+            </a:schemeClr>
+          </a:solidFill>
+          <a:ln>
+            <a:noFill/>
+          </a:ln>
+        </p:spPr>
+        <p:style>
+          <a:lnRef idx="2">
+            <a:schemeClr val="accent1">
+              <a:shade val="50000"/>
+            </a:schemeClr>
+          </a:lnRef>
+          <a:fillRef idx="1">
+            <a:schemeClr val="accent1"/>
+          </a:fillRef>
+          <a:effectRef idx="0">
+            <a:schemeClr val="accent1"/>
+          </a:effectRef>
+          <a:fontRef idx="minor">
+            <a:schemeClr val="lt1"/>
+          </a:fontRef>
+        </p:style>
+        <p:txBody>
+          <a:bodyPr rtlCol="0" anchor="ctr"/>
+          <a:lstStyle/>
+          <a:p>
+            <a:pPr algn="ctr"/>
+            <a:r>
+              <a:rPr lang="en-US" altLang="zh-CN" dirty="0">
+                <a:solidFill>
+                  <a:schemeClr val="tx1"/>
+                </a:solidFill>
+              </a:rPr>
+              <a:t>Output Driver</a:t>
+            </a:r>
+            <a:endParaRPr lang="zh-CN" altLang="en-US" dirty="0">
+              <a:solidFill>
+                <a:schemeClr val="tx1"/>
+              </a:solidFill>
+            </a:endParaRPr>
+          </a:p>
+        </p:txBody>
+      </p:sp>
+      <p:sp>
+        <p:nvSpPr>
+          <p:cNvPr id="28" name="矩形: 圆角 27">
+            <a:extLst>
+              <a:ext uri="{FF2B5EF4-FFF2-40B4-BE49-F238E27FC236}">
+                <a16:creationId xmlns:a16="http://schemas.microsoft.com/office/drawing/2014/main" id="{F49C2379-FF2C-4D3A-B499-9AF6255DBCC0}"/>
+              </a:ext>
+            </a:extLst>
+          </p:cNvPr>
+          <p:cNvSpPr/>
+          <p:nvPr/>
+        </p:nvSpPr>
+        <p:spPr>
+          <a:xfrm>
+            <a:off x="7272065" y="4750764"/>
+            <a:ext cx="2728210" cy="719527"/>
+          </a:xfrm>
+          <a:prstGeom prst="roundRect">
+            <a:avLst/>
+          </a:prstGeom>
+          <a:solidFill>
+            <a:schemeClr val="accent5">
+              <a:lumMod val="40000"/>
+              <a:lumOff val="60000"/>
+            </a:schemeClr>
+          </a:solidFill>
+          <a:ln>
+            <a:noFill/>
+          </a:ln>
+        </p:spPr>
+        <p:style>
+          <a:lnRef idx="2">
+            <a:schemeClr val="accent1">
+              <a:shade val="50000"/>
+            </a:schemeClr>
+          </a:lnRef>
+          <a:fillRef idx="1">
+            <a:schemeClr val="accent1"/>
+          </a:fillRef>
+          <a:effectRef idx="0">
+            <a:schemeClr val="accent1"/>
+          </a:effectRef>
+          <a:fontRef idx="minor">
+            <a:schemeClr val="lt1"/>
+          </a:fontRef>
+        </p:style>
+        <p:txBody>
+          <a:bodyPr rtlCol="0" anchor="ctr"/>
+          <a:lstStyle/>
+          <a:p>
+            <a:pPr algn="ctr"/>
+            <a:r>
+              <a:rPr lang="en-US" altLang="zh-CN" dirty="0">
+                <a:solidFill>
+                  <a:schemeClr val="tx1"/>
+                </a:solidFill>
+              </a:rPr>
+              <a:t>Position &amp; Attitude Estimator</a:t>
+            </a:r>
+            <a:endParaRPr lang="zh-CN" altLang="en-US" dirty="0">
+              <a:solidFill>
+                <a:schemeClr val="tx1"/>
+              </a:solidFill>
+            </a:endParaRPr>
+          </a:p>
+        </p:txBody>
+      </p:sp>
+      <p:cxnSp>
+        <p:nvCxnSpPr>
+          <p:cNvPr id="32" name="直接箭头连接符 31">
+            <a:extLst>
+              <a:ext uri="{FF2B5EF4-FFF2-40B4-BE49-F238E27FC236}">
+                <a16:creationId xmlns:a16="http://schemas.microsoft.com/office/drawing/2014/main" id="{85A84EF5-C76A-4B1B-9C01-0EFFC3E5DE18}"/>
+              </a:ext>
+            </a:extLst>
+          </p:cNvPr>
+          <p:cNvCxnSpPr>
+            <a:stCxn id="18" idx="2"/>
+            <a:endCxn id="26" idx="0"/>
+          </p:cNvCxnSpPr>
+          <p:nvPr/>
+        </p:nvCxnSpPr>
+        <p:spPr>
+          <a:xfrm>
+            <a:off x="8634926" y="3116580"/>
+            <a:ext cx="1244" cy="710912"/>
+          </a:xfrm>
+          <a:prstGeom prst="straightConnector1">
+            <a:avLst/>
+          </a:prstGeom>
+          <a:ln w="28575">
+            <a:solidFill>
+              <a:srgbClr val="FFC000"/>
+            </a:solidFill>
+            <a:tailEnd type="triangle"/>
+          </a:ln>
+        </p:spPr>
+        <p:style>
+          <a:lnRef idx="1">
+            <a:schemeClr val="accent1"/>
+          </a:lnRef>
+          <a:fillRef idx="0">
+            <a:schemeClr val="accent1"/>
+          </a:fillRef>
+          <a:effectRef idx="0">
+            <a:schemeClr val="accent1"/>
+          </a:effectRef>
+          <a:fontRef idx="minor">
+            <a:schemeClr val="tx1"/>
+          </a:fontRef>
+        </p:style>
+      </p:cxnSp>
+      <p:cxnSp>
+        <p:nvCxnSpPr>
+          <p:cNvPr id="34" name="连接符: 肘形 33">
+            <a:extLst>
+              <a:ext uri="{FF2B5EF4-FFF2-40B4-BE49-F238E27FC236}">
+                <a16:creationId xmlns:a16="http://schemas.microsoft.com/office/drawing/2014/main" id="{E9EAC3A4-8F04-49CA-9722-78B7D786DF4F}"/>
+              </a:ext>
+            </a:extLst>
+          </p:cNvPr>
+          <p:cNvCxnSpPr>
+            <a:cxnSpLocks/>
+            <a:stCxn id="26" idx="1"/>
+            <a:endCxn id="20" idx="3"/>
+          </p:cNvCxnSpPr>
+          <p:nvPr/>
+        </p:nvCxnSpPr>
+        <p:spPr>
+          <a:xfrm rot="10800000" flipV="1">
+            <a:off x="6418299" y="4187255"/>
+            <a:ext cx="853767" cy="1842731"/>
+          </a:xfrm>
+          <a:prstGeom prst="bentConnector3">
+            <a:avLst>
+              <a:gd name="adj1" fmla="val 50000"/>
+            </a:avLst>
+          </a:prstGeom>
+          <a:ln>
+            <a:tailEnd type="triangle"/>
+          </a:ln>
+        </p:spPr>
+        <p:style>
+          <a:lnRef idx="1">
+            <a:schemeClr val="accent1"/>
+          </a:lnRef>
+          <a:fillRef idx="0">
+            <a:schemeClr val="accent1"/>
+          </a:fillRef>
+          <a:effectRef idx="0">
+            <a:schemeClr val="accent1"/>
+          </a:effectRef>
+          <a:fontRef idx="minor">
+            <a:schemeClr val="tx1"/>
+          </a:fontRef>
+        </p:style>
+      </p:cxnSp>
+      <p:cxnSp>
+        <p:nvCxnSpPr>
+          <p:cNvPr id="36" name="连接符: 肘形 35">
+            <a:extLst>
+              <a:ext uri="{FF2B5EF4-FFF2-40B4-BE49-F238E27FC236}">
+                <a16:creationId xmlns:a16="http://schemas.microsoft.com/office/drawing/2014/main" id="{41AE75FA-436C-4534-8A1F-26F547083AE3}"/>
+              </a:ext>
+            </a:extLst>
+          </p:cNvPr>
+          <p:cNvCxnSpPr>
+            <a:cxnSpLocks/>
+            <a:stCxn id="26" idx="1"/>
+            <a:endCxn id="21" idx="3"/>
+          </p:cNvCxnSpPr>
+          <p:nvPr/>
+        </p:nvCxnSpPr>
+        <p:spPr>
+          <a:xfrm rot="10800000" flipV="1">
+            <a:off x="6418299" y="4187256"/>
+            <a:ext cx="853767" cy="923272"/>
+          </a:xfrm>
+          <a:prstGeom prst="bentConnector3">
+            <a:avLst>
+              <a:gd name="adj1" fmla="val 50000"/>
+            </a:avLst>
+          </a:prstGeom>
+          <a:ln w="28575">
+            <a:solidFill>
+              <a:srgbClr val="FFC000"/>
+            </a:solidFill>
+            <a:tailEnd type="triangle"/>
+          </a:ln>
+        </p:spPr>
+        <p:style>
+          <a:lnRef idx="1">
+            <a:schemeClr val="accent1"/>
+          </a:lnRef>
+          <a:fillRef idx="0">
+            <a:schemeClr val="accent1"/>
+          </a:fillRef>
+          <a:effectRef idx="0">
+            <a:schemeClr val="accent1"/>
+          </a:effectRef>
+          <a:fontRef idx="minor">
+            <a:schemeClr val="tx1"/>
+          </a:fontRef>
+        </p:style>
+      </p:cxnSp>
+      <p:cxnSp>
+        <p:nvCxnSpPr>
+          <p:cNvPr id="39" name="连接符: 肘形 38">
+            <a:extLst>
+              <a:ext uri="{FF2B5EF4-FFF2-40B4-BE49-F238E27FC236}">
+                <a16:creationId xmlns:a16="http://schemas.microsoft.com/office/drawing/2014/main" id="{879B4AD3-3939-4759-9685-49206885E230}"/>
+              </a:ext>
+            </a:extLst>
+          </p:cNvPr>
+          <p:cNvCxnSpPr>
+            <a:cxnSpLocks/>
+            <a:stCxn id="28" idx="1"/>
+            <a:endCxn id="20" idx="3"/>
+          </p:cNvCxnSpPr>
+          <p:nvPr/>
+        </p:nvCxnSpPr>
+        <p:spPr>
+          <a:xfrm rot="10800000" flipV="1">
+            <a:off x="6418299" y="5110527"/>
+            <a:ext cx="853767" cy="919459"/>
+          </a:xfrm>
+          <a:prstGeom prst="bentConnector3">
+            <a:avLst>
+              <a:gd name="adj1" fmla="val 50000"/>
+            </a:avLst>
+          </a:prstGeom>
+          <a:ln w="28575">
+            <a:solidFill>
+              <a:srgbClr val="FFC000"/>
+            </a:solidFill>
+            <a:tailEnd type="triangle"/>
+          </a:ln>
+        </p:spPr>
+        <p:style>
+          <a:lnRef idx="1">
+            <a:schemeClr val="accent1"/>
+          </a:lnRef>
+          <a:fillRef idx="0">
+            <a:schemeClr val="accent1"/>
+          </a:fillRef>
+          <a:effectRef idx="0">
+            <a:schemeClr val="accent1"/>
+          </a:effectRef>
+          <a:fontRef idx="minor">
+            <a:schemeClr val="tx1"/>
+          </a:fontRef>
+        </p:style>
+      </p:cxnSp>
+      <p:cxnSp>
+        <p:nvCxnSpPr>
+          <p:cNvPr id="40" name="连接符: 肘形 39">
+            <a:extLst>
+              <a:ext uri="{FF2B5EF4-FFF2-40B4-BE49-F238E27FC236}">
+                <a16:creationId xmlns:a16="http://schemas.microsoft.com/office/drawing/2014/main" id="{AEA2E15A-1557-4C99-A038-95BCE259A3AB}"/>
+              </a:ext>
+            </a:extLst>
+          </p:cNvPr>
+          <p:cNvCxnSpPr>
+            <a:cxnSpLocks/>
+            <a:stCxn id="28" idx="1"/>
+            <a:endCxn id="23" idx="3"/>
+          </p:cNvCxnSpPr>
+          <p:nvPr/>
+        </p:nvCxnSpPr>
+        <p:spPr>
+          <a:xfrm rot="10800000">
+            <a:off x="6438621" y="4191070"/>
+            <a:ext cx="833444" cy="919459"/>
+          </a:xfrm>
+          <a:prstGeom prst="bentConnector3">
+            <a:avLst>
+              <a:gd name="adj1" fmla="val 51829"/>
+            </a:avLst>
+          </a:prstGeom>
+          <a:ln w="28575">
+            <a:solidFill>
+              <a:srgbClr val="FFC000"/>
+            </a:solidFill>
+            <a:tailEnd type="triangle"/>
+          </a:ln>
+        </p:spPr>
+        <p:style>
+          <a:lnRef idx="1">
+            <a:schemeClr val="accent1"/>
+          </a:lnRef>
+          <a:fillRef idx="0">
+            <a:schemeClr val="accent1"/>
+          </a:fillRef>
+          <a:effectRef idx="0">
+            <a:schemeClr val="accent1"/>
+          </a:effectRef>
+          <a:fontRef idx="minor">
+            <a:schemeClr val="tx1"/>
+          </a:fontRef>
+        </p:style>
+      </p:cxnSp>
+      <p:cxnSp>
+        <p:nvCxnSpPr>
+          <p:cNvPr id="46" name="直接箭头连接符 45">
+            <a:extLst>
+              <a:ext uri="{FF2B5EF4-FFF2-40B4-BE49-F238E27FC236}">
+                <a16:creationId xmlns:a16="http://schemas.microsoft.com/office/drawing/2014/main" id="{36756345-BA43-4F17-AA03-5C343234773F}"/>
+              </a:ext>
+            </a:extLst>
+          </p:cNvPr>
+          <p:cNvCxnSpPr>
+            <a:cxnSpLocks/>
+            <a:stCxn id="26" idx="2"/>
+            <a:endCxn id="28" idx="0"/>
+          </p:cNvCxnSpPr>
+          <p:nvPr/>
+        </p:nvCxnSpPr>
+        <p:spPr>
+          <a:xfrm>
+            <a:off x="8636170" y="4547019"/>
+            <a:ext cx="0" cy="203745"/>
+          </a:xfrm>
+          <a:prstGeom prst="straightConnector1">
+            <a:avLst/>
+          </a:prstGeom>
+          <a:ln>
+            <a:tailEnd type="triangle"/>
+          </a:ln>
+        </p:spPr>
+        <p:style>
+          <a:lnRef idx="1">
+            <a:schemeClr val="accent1"/>
+          </a:lnRef>
+          <a:fillRef idx="0">
+            <a:schemeClr val="accent1"/>
+          </a:fillRef>
+          <a:effectRef idx="0">
+            <a:schemeClr val="accent1"/>
+          </a:effectRef>
+          <a:fontRef idx="minor">
+            <a:schemeClr val="tx1"/>
+          </a:fontRef>
+        </p:style>
+      </p:cxnSp>
+      <p:cxnSp>
+        <p:nvCxnSpPr>
+          <p:cNvPr id="49" name="直接箭头连接符 48">
+            <a:extLst>
+              <a:ext uri="{FF2B5EF4-FFF2-40B4-BE49-F238E27FC236}">
+                <a16:creationId xmlns:a16="http://schemas.microsoft.com/office/drawing/2014/main" id="{3449CE70-A50A-4121-900F-E5BD224B3F06}"/>
+              </a:ext>
+            </a:extLst>
+          </p:cNvPr>
+          <p:cNvCxnSpPr>
+            <a:cxnSpLocks/>
+          </p:cNvCxnSpPr>
+          <p:nvPr/>
+        </p:nvCxnSpPr>
+        <p:spPr>
+          <a:xfrm>
+            <a:off x="5054193" y="4540090"/>
+            <a:ext cx="0" cy="203745"/>
+          </a:xfrm>
+          <a:prstGeom prst="straightConnector1">
+            <a:avLst/>
+          </a:prstGeom>
+          <a:ln>
+            <a:tailEnd type="triangle"/>
+          </a:ln>
+        </p:spPr>
+        <p:style>
+          <a:lnRef idx="1">
+            <a:schemeClr val="accent1"/>
+          </a:lnRef>
+          <a:fillRef idx="0">
+            <a:schemeClr val="accent1"/>
+          </a:fillRef>
+          <a:effectRef idx="0">
+            <a:schemeClr val="accent1"/>
+          </a:effectRef>
+          <a:fontRef idx="minor">
+            <a:schemeClr val="tx1"/>
+          </a:fontRef>
+        </p:style>
+      </p:cxnSp>
+      <p:cxnSp>
+        <p:nvCxnSpPr>
+          <p:cNvPr id="50" name="直接箭头连接符 49">
+            <a:extLst>
+              <a:ext uri="{FF2B5EF4-FFF2-40B4-BE49-F238E27FC236}">
+                <a16:creationId xmlns:a16="http://schemas.microsoft.com/office/drawing/2014/main" id="{943DDC2F-25A2-4AE6-827A-71E3CAED803C}"/>
+              </a:ext>
+            </a:extLst>
+          </p:cNvPr>
+          <p:cNvCxnSpPr>
+            <a:cxnSpLocks/>
+          </p:cNvCxnSpPr>
+          <p:nvPr/>
+        </p:nvCxnSpPr>
+        <p:spPr>
+          <a:xfrm>
+            <a:off x="5054193" y="5470291"/>
+            <a:ext cx="0" cy="203745"/>
+          </a:xfrm>
+          <a:prstGeom prst="straightConnector1">
+            <a:avLst/>
+          </a:prstGeom>
+          <a:ln>
+            <a:tailEnd type="triangle"/>
+          </a:ln>
+        </p:spPr>
+        <p:style>
+          <a:lnRef idx="1">
+            <a:schemeClr val="accent1"/>
+          </a:lnRef>
+          <a:fillRef idx="0">
+            <a:schemeClr val="accent1"/>
+          </a:fillRef>
+          <a:effectRef idx="0">
+            <a:schemeClr val="accent1"/>
+          </a:effectRef>
+          <a:fontRef idx="minor">
+            <a:schemeClr val="tx1"/>
+          </a:fontRef>
+        </p:style>
+      </p:cxnSp>
+      <p:cxnSp>
+        <p:nvCxnSpPr>
+          <p:cNvPr id="51" name="直接箭头连接符 50">
+            <a:extLst>
+              <a:ext uri="{FF2B5EF4-FFF2-40B4-BE49-F238E27FC236}">
+                <a16:creationId xmlns:a16="http://schemas.microsoft.com/office/drawing/2014/main" id="{49EDE74A-7AA7-446A-B223-1F0B0C994538}"/>
+              </a:ext>
+            </a:extLst>
+          </p:cNvPr>
+          <p:cNvCxnSpPr>
+            <a:cxnSpLocks/>
+            <a:stCxn id="22" idx="3"/>
+            <a:endCxn id="23" idx="1"/>
+          </p:cNvCxnSpPr>
+          <p:nvPr/>
+        </p:nvCxnSpPr>
+        <p:spPr>
+          <a:xfrm>
+            <a:off x="3441909" y="4187256"/>
+            <a:ext cx="268502" cy="3813"/>
+          </a:xfrm>
+          <a:prstGeom prst="straightConnector1">
+            <a:avLst/>
+          </a:prstGeom>
+          <a:ln w="28575">
+            <a:solidFill>
+              <a:srgbClr val="FFC000"/>
+            </a:solidFill>
+            <a:tailEnd type="triangle"/>
+          </a:ln>
+        </p:spPr>
+        <p:style>
+          <a:lnRef idx="1">
+            <a:schemeClr val="accent1"/>
+          </a:lnRef>
+          <a:fillRef idx="0">
+            <a:schemeClr val="accent1"/>
+          </a:fillRef>
+          <a:effectRef idx="0">
+            <a:schemeClr val="accent1"/>
+          </a:effectRef>
+          <a:fontRef idx="minor">
+            <a:schemeClr val="tx1"/>
+          </a:fontRef>
+        </p:style>
+      </p:cxnSp>
+      <p:cxnSp>
+        <p:nvCxnSpPr>
+          <p:cNvPr id="54" name="连接符: 肘形 53">
+            <a:extLst>
+              <a:ext uri="{FF2B5EF4-FFF2-40B4-BE49-F238E27FC236}">
+                <a16:creationId xmlns:a16="http://schemas.microsoft.com/office/drawing/2014/main" id="{3ACF6632-F388-48E0-8070-430FB86056AE}"/>
+              </a:ext>
+            </a:extLst>
+          </p:cNvPr>
+          <p:cNvCxnSpPr>
+            <a:cxnSpLocks/>
+            <a:stCxn id="22" idx="2"/>
+            <a:endCxn id="21" idx="1"/>
+          </p:cNvCxnSpPr>
+          <p:nvPr/>
+        </p:nvCxnSpPr>
+        <p:spPr>
+          <a:xfrm rot="16200000" flipH="1">
+            <a:off x="2602192" y="4022631"/>
+            <a:ext cx="563509" cy="1612284"/>
+          </a:xfrm>
+          <a:prstGeom prst="bentConnector2">
+            <a:avLst/>
+          </a:prstGeom>
+          <a:ln w="28575">
+            <a:solidFill>
+              <a:srgbClr val="FFC000"/>
+            </a:solidFill>
+            <a:tailEnd type="triangle"/>
+          </a:ln>
+        </p:spPr>
+        <p:style>
+          <a:lnRef idx="1">
+            <a:schemeClr val="accent1"/>
+          </a:lnRef>
+          <a:fillRef idx="0">
+            <a:schemeClr val="accent1"/>
+          </a:fillRef>
+          <a:effectRef idx="0">
+            <a:schemeClr val="accent1"/>
+          </a:effectRef>
+          <a:fontRef idx="minor">
+            <a:schemeClr val="tx1"/>
+          </a:fontRef>
+        </p:style>
+      </p:cxnSp>
+      <p:cxnSp>
+        <p:nvCxnSpPr>
+          <p:cNvPr id="55" name="连接符: 肘形 54">
+            <a:extLst>
+              <a:ext uri="{FF2B5EF4-FFF2-40B4-BE49-F238E27FC236}">
+                <a16:creationId xmlns:a16="http://schemas.microsoft.com/office/drawing/2014/main" id="{4DFD28D4-BAC4-4700-AFB1-55BC86D6C556}"/>
+              </a:ext>
+            </a:extLst>
+          </p:cNvPr>
+          <p:cNvCxnSpPr>
+            <a:cxnSpLocks/>
+            <a:stCxn id="22" idx="2"/>
+            <a:endCxn id="20" idx="1"/>
+          </p:cNvCxnSpPr>
+          <p:nvPr/>
+        </p:nvCxnSpPr>
+        <p:spPr>
+          <a:xfrm rot="16200000" flipH="1">
+            <a:off x="2142462" y="4482361"/>
+            <a:ext cx="1482968" cy="1612284"/>
+          </a:xfrm>
+          <a:prstGeom prst="bentConnector2">
+            <a:avLst/>
+          </a:prstGeom>
+          <a:ln w="28575">
+            <a:solidFill>
+              <a:srgbClr val="FFC000"/>
+            </a:solidFill>
+            <a:tailEnd type="triangle"/>
+          </a:ln>
+        </p:spPr>
+        <p:style>
+          <a:lnRef idx="1">
+            <a:schemeClr val="accent1"/>
+          </a:lnRef>
+          <a:fillRef idx="0">
+            <a:schemeClr val="accent1"/>
+          </a:fillRef>
+          <a:effectRef idx="0">
+            <a:schemeClr val="accent1"/>
+          </a:effectRef>
+          <a:fontRef idx="minor">
+            <a:schemeClr val="tx1"/>
+          </a:fontRef>
+        </p:style>
+      </p:cxnSp>
+      <p:cxnSp>
+        <p:nvCxnSpPr>
+          <p:cNvPr id="61" name="连接符: 肘形 60">
+            <a:extLst>
+              <a:ext uri="{FF2B5EF4-FFF2-40B4-BE49-F238E27FC236}">
+                <a16:creationId xmlns:a16="http://schemas.microsoft.com/office/drawing/2014/main" id="{5D888266-1D2D-4E82-9D5F-D28313B2F0E5}"/>
+              </a:ext>
+            </a:extLst>
+          </p:cNvPr>
+          <p:cNvCxnSpPr>
+            <a:cxnSpLocks/>
+            <a:stCxn id="20" idx="2"/>
+            <a:endCxn id="27" idx="2"/>
+          </p:cNvCxnSpPr>
+          <p:nvPr/>
+        </p:nvCxnSpPr>
+        <p:spPr>
+          <a:xfrm rot="5400000" flipH="1" flipV="1">
+            <a:off x="6845180" y="4598760"/>
+            <a:ext cx="2" cy="3581977"/>
+          </a:xfrm>
+          <a:prstGeom prst="bentConnector3">
+            <a:avLst>
+              <a:gd name="adj1" fmla="val -11430000000"/>
+            </a:avLst>
+          </a:prstGeom>
+          <a:ln w="28575">
+            <a:solidFill>
+              <a:srgbClr val="FFC000"/>
+            </a:solidFill>
+            <a:tailEnd type="triangle"/>
+          </a:ln>
+        </p:spPr>
+        <p:style>
+          <a:lnRef idx="1">
+            <a:schemeClr val="accent1"/>
+          </a:lnRef>
+          <a:fillRef idx="0">
+            <a:schemeClr val="accent1"/>
+          </a:fillRef>
+          <a:effectRef idx="0">
+            <a:schemeClr val="accent1"/>
+          </a:effectRef>
+          <a:fontRef idx="minor">
+            <a:schemeClr val="tx1"/>
+          </a:fontRef>
+        </p:style>
+      </p:cxnSp>
+      <p:sp>
+        <p:nvSpPr>
+          <p:cNvPr id="65" name="矩形: 圆角 64">
+            <a:extLst>
+              <a:ext uri="{FF2B5EF4-FFF2-40B4-BE49-F238E27FC236}">
+                <a16:creationId xmlns:a16="http://schemas.microsoft.com/office/drawing/2014/main" id="{FEC72071-A461-44D0-8AA8-96412F87B8B4}"/>
+              </a:ext>
+            </a:extLst>
+          </p:cNvPr>
+          <p:cNvSpPr/>
+          <p:nvPr/>
+        </p:nvSpPr>
+        <p:spPr>
+          <a:xfrm>
+            <a:off x="7272065" y="-327491"/>
+            <a:ext cx="2728210" cy="719527"/>
+          </a:xfrm>
+          <a:prstGeom prst="roundRect">
+            <a:avLst/>
+          </a:prstGeom>
+          <a:solidFill>
+            <a:schemeClr val="accent5">
+              <a:lumMod val="40000"/>
+              <a:lumOff val="60000"/>
+            </a:schemeClr>
+          </a:solidFill>
+          <a:ln>
+            <a:noFill/>
+          </a:ln>
+        </p:spPr>
+        <p:style>
+          <a:lnRef idx="2">
+            <a:schemeClr val="accent1">
+              <a:shade val="50000"/>
+            </a:schemeClr>
+          </a:lnRef>
+          <a:fillRef idx="1">
+            <a:schemeClr val="accent1"/>
+          </a:fillRef>
+          <a:effectRef idx="0">
+            <a:schemeClr val="accent1"/>
+          </a:effectRef>
+          <a:fontRef idx="minor">
+            <a:schemeClr val="lt1"/>
+          </a:fontRef>
+        </p:style>
+        <p:txBody>
+          <a:bodyPr rtlCol="0" anchor="ctr"/>
+          <a:lstStyle/>
+          <a:p>
+            <a:pPr algn="ctr"/>
+            <a:r>
+              <a:rPr lang="en-US" altLang="zh-CN" dirty="0">
+                <a:solidFill>
+                  <a:schemeClr val="tx1"/>
+                </a:solidFill>
+              </a:rPr>
+              <a:t>Logging</a:t>
+            </a:r>
+            <a:endParaRPr lang="zh-CN" altLang="en-US" dirty="0">
+              <a:solidFill>
+                <a:schemeClr val="tx1"/>
+              </a:solidFill>
+            </a:endParaRPr>
+          </a:p>
+        </p:txBody>
+      </p:sp>
+      <p:sp>
+        <p:nvSpPr>
+          <p:cNvPr id="66" name="矩形: 圆角 65">
+            <a:extLst>
+              <a:ext uri="{FF2B5EF4-FFF2-40B4-BE49-F238E27FC236}">
+                <a16:creationId xmlns:a16="http://schemas.microsoft.com/office/drawing/2014/main" id="{72F981EF-869A-48D0-85B5-2DAA88426CD8}"/>
+              </a:ext>
+            </a:extLst>
+          </p:cNvPr>
+          <p:cNvSpPr/>
+          <p:nvPr/>
+        </p:nvSpPr>
+        <p:spPr>
+          <a:xfrm>
+            <a:off x="5742775" y="-1164490"/>
+            <a:ext cx="2728210" cy="719527"/>
+          </a:xfrm>
+          <a:prstGeom prst="roundRect">
+            <a:avLst/>
+          </a:prstGeom>
+          <a:solidFill>
+            <a:schemeClr val="accent5">
+              <a:lumMod val="40000"/>
+              <a:lumOff val="60000"/>
+            </a:schemeClr>
+          </a:solidFill>
+          <a:ln>
+            <a:noFill/>
+          </a:ln>
+        </p:spPr>
+        <p:style>
+          <a:lnRef idx="2">
+            <a:schemeClr val="accent1">
+              <a:shade val="50000"/>
+            </a:schemeClr>
+          </a:lnRef>
+          <a:fillRef idx="1">
+            <a:schemeClr val="accent1"/>
+          </a:fillRef>
+          <a:effectRef idx="0">
+            <a:schemeClr val="accent1"/>
+          </a:effectRef>
+          <a:fontRef idx="minor">
+            <a:schemeClr val="lt1"/>
+          </a:fontRef>
+        </p:style>
+        <p:txBody>
+          <a:bodyPr rtlCol="0" anchor="ctr"/>
+          <a:lstStyle/>
+          <a:p>
+            <a:pPr algn="ctr"/>
+            <a:r>
+              <a:rPr lang="en-US" altLang="zh-CN" dirty="0">
+                <a:solidFill>
+                  <a:schemeClr val="tx1"/>
+                </a:solidFill>
+              </a:rPr>
+              <a:t>Parameter</a:t>
+            </a:r>
+            <a:endParaRPr lang="zh-CN" altLang="en-US" dirty="0">
+              <a:solidFill>
+                <a:schemeClr val="tx1"/>
+              </a:solidFill>
+            </a:endParaRPr>
+          </a:p>
+        </p:txBody>
+      </p:sp>
+      <p:sp>
+        <p:nvSpPr>
+          <p:cNvPr id="67" name="矩形: 圆角 66">
+            <a:extLst>
+              <a:ext uri="{FF2B5EF4-FFF2-40B4-BE49-F238E27FC236}">
+                <a16:creationId xmlns:a16="http://schemas.microsoft.com/office/drawing/2014/main" id="{5603C60F-4188-445B-9FC7-941E314713C3}"/>
+              </a:ext>
+            </a:extLst>
+          </p:cNvPr>
+          <p:cNvSpPr/>
+          <p:nvPr/>
+        </p:nvSpPr>
+        <p:spPr>
+          <a:xfrm>
+            <a:off x="8859357" y="-1180263"/>
+            <a:ext cx="2728210" cy="719527"/>
+          </a:xfrm>
+          <a:prstGeom prst="roundRect">
+            <a:avLst/>
+          </a:prstGeom>
+          <a:solidFill>
+            <a:schemeClr val="accent5">
+              <a:lumMod val="40000"/>
+              <a:lumOff val="60000"/>
+            </a:schemeClr>
+          </a:solidFill>
+          <a:ln>
+            <a:noFill/>
+          </a:ln>
+        </p:spPr>
+        <p:style>
+          <a:lnRef idx="2">
+            <a:schemeClr val="accent1">
+              <a:shade val="50000"/>
+            </a:schemeClr>
+          </a:lnRef>
+          <a:fillRef idx="1">
+            <a:schemeClr val="accent1"/>
+          </a:fillRef>
+          <a:effectRef idx="0">
+            <a:schemeClr val="accent1"/>
+          </a:effectRef>
+          <a:fontRef idx="minor">
+            <a:schemeClr val="lt1"/>
+          </a:fontRef>
+        </p:style>
+        <p:txBody>
+          <a:bodyPr rtlCol="0" anchor="ctr"/>
+          <a:lstStyle/>
+          <a:p>
+            <a:pPr algn="ctr"/>
+            <a:r>
+              <a:rPr lang="en-US" altLang="zh-CN" dirty="0">
+                <a:solidFill>
+                  <a:schemeClr val="tx1"/>
+                </a:solidFill>
+              </a:rPr>
+              <a:t>Database</a:t>
+            </a:r>
+            <a:endParaRPr lang="zh-CN" altLang="en-US" dirty="0">
+              <a:solidFill>
+                <a:schemeClr val="tx1"/>
+              </a:solidFill>
+            </a:endParaRPr>
+          </a:p>
+        </p:txBody>
+      </p:sp>
+      <p:sp>
+        <p:nvSpPr>
+          <p:cNvPr id="68" name="矩形 67">
+            <a:extLst>
+              <a:ext uri="{FF2B5EF4-FFF2-40B4-BE49-F238E27FC236}">
+                <a16:creationId xmlns:a16="http://schemas.microsoft.com/office/drawing/2014/main" id="{98BCA13E-21FA-49C8-8712-0400A9D01FFB}"/>
+              </a:ext>
+            </a:extLst>
+          </p:cNvPr>
+          <p:cNvSpPr/>
+          <p:nvPr/>
+        </p:nvSpPr>
+        <p:spPr>
+          <a:xfrm>
+            <a:off x="5354403" y="-1702737"/>
+            <a:ext cx="6556131" cy="2183703"/>
+          </a:xfrm>
+          <a:prstGeom prst="rect">
+            <a:avLst/>
+          </a:prstGeom>
+          <a:noFill/>
+          <a:ln w="19050">
+            <a:solidFill>
+              <a:schemeClr val="tx2">
+                <a:lumMod val="60000"/>
+                <a:lumOff val="40000"/>
+              </a:schemeClr>
+            </a:solidFill>
+          </a:ln>
+        </p:spPr>
+        <p:style>
+          <a:lnRef idx="2">
+            <a:schemeClr val="accent1">
+              <a:shade val="50000"/>
+            </a:schemeClr>
+          </a:lnRef>
+          <a:fillRef idx="1">
+            <a:schemeClr val="accent1"/>
+          </a:fillRef>
+          <a:effectRef idx="0">
+            <a:schemeClr val="accent1"/>
+          </a:effectRef>
+          <a:fontRef idx="minor">
+            <a:schemeClr val="lt1"/>
+          </a:fontRef>
+        </p:style>
+        <p:txBody>
+          <a:bodyPr numCol="3" rtlCol="0" anchor="ctr"/>
+          <a:lstStyle/>
+          <a:p>
+            <a:endParaRPr lang="zh-CN" altLang="en-US" dirty="0">
+              <a:solidFill>
+                <a:schemeClr val="tx1"/>
+              </a:solidFill>
+              <a:latin typeface="Times New Roman" panose="02020603050405020304" pitchFamily="18" charset="0"/>
+              <a:cs typeface="Times New Roman" panose="02020603050405020304" pitchFamily="18" charset="0"/>
+            </a:endParaRPr>
+          </a:p>
+        </p:txBody>
+      </p:sp>
+      <p:sp>
+        <p:nvSpPr>
+          <p:cNvPr id="69" name="矩形 68">
+            <a:extLst>
+              <a:ext uri="{FF2B5EF4-FFF2-40B4-BE49-F238E27FC236}">
+                <a16:creationId xmlns:a16="http://schemas.microsoft.com/office/drawing/2014/main" id="{EAD377E6-1EDB-4BDF-842B-DEDCC30000CC}"/>
+              </a:ext>
+            </a:extLst>
+          </p:cNvPr>
+          <p:cNvSpPr/>
+          <p:nvPr/>
+        </p:nvSpPr>
+        <p:spPr>
+          <a:xfrm>
+            <a:off x="5354402" y="-1702734"/>
+            <a:ext cx="1572177" cy="420772"/>
+          </a:xfrm>
+          <a:prstGeom prst="rect">
+            <a:avLst/>
+          </a:prstGeom>
+          <a:noFill/>
+          <a:ln w="19050">
+            <a:solidFill>
+              <a:schemeClr val="tx2">
+                <a:lumMod val="60000"/>
+                <a:lumOff val="40000"/>
+              </a:schemeClr>
+            </a:solidFill>
+          </a:ln>
+        </p:spPr>
+        <p:style>
+          <a:lnRef idx="2">
+            <a:schemeClr val="accent1">
+              <a:shade val="50000"/>
+            </a:schemeClr>
+          </a:lnRef>
+          <a:fillRef idx="1">
+            <a:schemeClr val="accent1"/>
+          </a:fillRef>
+          <a:effectRef idx="0">
+            <a:schemeClr val="accent1"/>
+          </a:effectRef>
+          <a:fontRef idx="minor">
+            <a:schemeClr val="lt1"/>
+          </a:fontRef>
+        </p:style>
+        <p:txBody>
+          <a:bodyPr numCol="1" rtlCol="0" anchor="ctr"/>
+          <a:lstStyle/>
+          <a:p>
+            <a:pPr algn="ctr"/>
+            <a:r>
+              <a:rPr lang="en-US" altLang="zh-CN" sz="1600" dirty="0">
+                <a:solidFill>
+                  <a:schemeClr val="accent1"/>
+                </a:solidFill>
+                <a:latin typeface="Times New Roman" panose="02020603050405020304" pitchFamily="18" charset="0"/>
+                <a:cs typeface="Times New Roman" panose="02020603050405020304" pitchFamily="18" charset="0"/>
+              </a:rPr>
+              <a:t>STORAGE</a:t>
+            </a:r>
+            <a:endParaRPr lang="zh-CN" altLang="en-US" sz="1600" dirty="0">
+              <a:solidFill>
+                <a:schemeClr val="accent1"/>
+              </a:solidFill>
+              <a:latin typeface="Times New Roman" panose="02020603050405020304" pitchFamily="18" charset="0"/>
+              <a:cs typeface="Times New Roman" panose="02020603050405020304" pitchFamily="18" charset="0"/>
+            </a:endParaRPr>
+          </a:p>
+        </p:txBody>
+      </p:sp>
+      <p:sp>
+        <p:nvSpPr>
+          <p:cNvPr id="70" name="矩形: 圆角 69">
+            <a:extLst>
+              <a:ext uri="{FF2B5EF4-FFF2-40B4-BE49-F238E27FC236}">
+                <a16:creationId xmlns:a16="http://schemas.microsoft.com/office/drawing/2014/main" id="{21079BE8-4F9F-4FE7-A6F5-D1DCE18134B1}"/>
+              </a:ext>
+            </a:extLst>
+          </p:cNvPr>
+          <p:cNvSpPr/>
+          <p:nvPr/>
+        </p:nvSpPr>
+        <p:spPr>
+          <a:xfrm>
+            <a:off x="-633017" y="2144942"/>
+            <a:ext cx="2728210" cy="719527"/>
+          </a:xfrm>
+          <a:prstGeom prst="roundRect">
+            <a:avLst/>
+          </a:prstGeom>
+          <a:solidFill>
+            <a:schemeClr val="accent5">
+              <a:lumMod val="40000"/>
+              <a:lumOff val="60000"/>
+            </a:schemeClr>
+          </a:solidFill>
+          <a:ln>
+            <a:noFill/>
+          </a:ln>
+        </p:spPr>
+        <p:style>
+          <a:lnRef idx="2">
+            <a:schemeClr val="accent1">
+              <a:shade val="50000"/>
+            </a:schemeClr>
+          </a:lnRef>
+          <a:fillRef idx="1">
+            <a:schemeClr val="accent1"/>
+          </a:fillRef>
+          <a:effectRef idx="0">
+            <a:schemeClr val="accent1"/>
+          </a:effectRef>
+          <a:fontRef idx="minor">
+            <a:schemeClr val="lt1"/>
+          </a:fontRef>
+        </p:style>
+        <p:txBody>
+          <a:bodyPr rtlCol="0" anchor="ctr"/>
+          <a:lstStyle/>
+          <a:p>
+            <a:pPr algn="ctr"/>
+            <a:r>
+              <a:rPr lang="en-US" altLang="zh-CN" dirty="0">
+                <a:solidFill>
+                  <a:schemeClr val="tx1"/>
+                </a:solidFill>
+              </a:rPr>
+              <a:t>Logging</a:t>
+            </a:r>
+            <a:endParaRPr lang="zh-CN" altLang="en-US" dirty="0">
+              <a:solidFill>
+                <a:schemeClr val="tx1"/>
+              </a:solidFill>
+            </a:endParaRPr>
+          </a:p>
+        </p:txBody>
+      </p:sp>
+      <p:sp>
+        <p:nvSpPr>
+          <p:cNvPr id="71" name="矩形: 圆角 70">
+            <a:extLst>
+              <a:ext uri="{FF2B5EF4-FFF2-40B4-BE49-F238E27FC236}">
+                <a16:creationId xmlns:a16="http://schemas.microsoft.com/office/drawing/2014/main" id="{F5D4523D-812B-4806-86A6-48F718471B82}"/>
+              </a:ext>
+            </a:extLst>
+          </p:cNvPr>
+          <p:cNvSpPr/>
+          <p:nvPr/>
+        </p:nvSpPr>
+        <p:spPr>
+          <a:xfrm>
+            <a:off x="-660566" y="1289779"/>
+            <a:ext cx="2728210" cy="719527"/>
+          </a:xfrm>
+          <a:prstGeom prst="roundRect">
+            <a:avLst/>
+          </a:prstGeom>
+          <a:solidFill>
+            <a:schemeClr val="accent5">
+              <a:lumMod val="40000"/>
+              <a:lumOff val="60000"/>
+            </a:schemeClr>
+          </a:solidFill>
+          <a:ln>
+            <a:noFill/>
+          </a:ln>
+        </p:spPr>
+        <p:style>
+          <a:lnRef idx="2">
+            <a:schemeClr val="accent1">
+              <a:shade val="50000"/>
+            </a:schemeClr>
+          </a:lnRef>
+          <a:fillRef idx="1">
+            <a:schemeClr val="accent1"/>
+          </a:fillRef>
+          <a:effectRef idx="0">
+            <a:schemeClr val="accent1"/>
+          </a:effectRef>
+          <a:fontRef idx="minor">
+            <a:schemeClr val="lt1"/>
+          </a:fontRef>
+        </p:style>
+        <p:txBody>
+          <a:bodyPr rtlCol="0" anchor="ctr"/>
+          <a:lstStyle/>
+          <a:p>
+            <a:pPr algn="ctr"/>
+            <a:r>
+              <a:rPr lang="en-US" altLang="zh-CN" dirty="0">
+                <a:solidFill>
+                  <a:schemeClr val="tx1"/>
+                </a:solidFill>
+              </a:rPr>
+              <a:t>Parameter</a:t>
+            </a:r>
+            <a:endParaRPr lang="zh-CN" altLang="en-US" dirty="0">
+              <a:solidFill>
+                <a:schemeClr val="tx1"/>
+              </a:solidFill>
+            </a:endParaRPr>
+          </a:p>
+        </p:txBody>
+      </p:sp>
+      <p:sp>
+        <p:nvSpPr>
+          <p:cNvPr id="73" name="矩形 72">
+            <a:extLst>
+              <a:ext uri="{FF2B5EF4-FFF2-40B4-BE49-F238E27FC236}">
+                <a16:creationId xmlns:a16="http://schemas.microsoft.com/office/drawing/2014/main" id="{D9BD1F63-5A0F-473A-83FC-117EFC1259B1}"/>
+              </a:ext>
+            </a:extLst>
+          </p:cNvPr>
+          <p:cNvSpPr/>
+          <p:nvPr/>
+        </p:nvSpPr>
+        <p:spPr>
+          <a:xfrm>
+            <a:off x="-718458" y="746084"/>
+            <a:ext cx="2976599" cy="2364510"/>
+          </a:xfrm>
+          <a:prstGeom prst="rect">
+            <a:avLst/>
+          </a:prstGeom>
+          <a:noFill/>
+          <a:ln w="19050">
+            <a:solidFill>
+              <a:schemeClr val="tx2">
+                <a:lumMod val="60000"/>
+                <a:lumOff val="40000"/>
+              </a:schemeClr>
+            </a:solidFill>
+          </a:ln>
+        </p:spPr>
+        <p:style>
+          <a:lnRef idx="2">
+            <a:schemeClr val="accent1">
+              <a:shade val="50000"/>
+            </a:schemeClr>
+          </a:lnRef>
+          <a:fillRef idx="1">
+            <a:schemeClr val="accent1"/>
+          </a:fillRef>
+          <a:effectRef idx="0">
+            <a:schemeClr val="accent1"/>
+          </a:effectRef>
+          <a:fontRef idx="minor">
+            <a:schemeClr val="lt1"/>
+          </a:fontRef>
+        </p:style>
+        <p:txBody>
+          <a:bodyPr numCol="3" rtlCol="0" anchor="ctr"/>
+          <a:lstStyle/>
+          <a:p>
+            <a:endParaRPr lang="zh-CN" altLang="en-US" dirty="0">
+              <a:solidFill>
+                <a:schemeClr val="tx1"/>
+              </a:solidFill>
+              <a:latin typeface="Times New Roman" panose="02020603050405020304" pitchFamily="18" charset="0"/>
+              <a:cs typeface="Times New Roman" panose="02020603050405020304" pitchFamily="18" charset="0"/>
+            </a:endParaRPr>
+          </a:p>
+        </p:txBody>
+      </p:sp>
+      <p:sp>
+        <p:nvSpPr>
+          <p:cNvPr id="74" name="矩形 73">
+            <a:extLst>
+              <a:ext uri="{FF2B5EF4-FFF2-40B4-BE49-F238E27FC236}">
+                <a16:creationId xmlns:a16="http://schemas.microsoft.com/office/drawing/2014/main" id="{7DD38D29-3989-47BB-998A-B13FF195CB7C}"/>
+              </a:ext>
+            </a:extLst>
+          </p:cNvPr>
+          <p:cNvSpPr/>
+          <p:nvPr/>
+        </p:nvSpPr>
+        <p:spPr>
+          <a:xfrm>
+            <a:off x="-718458" y="746083"/>
+            <a:ext cx="1572177" cy="420772"/>
+          </a:xfrm>
+          <a:prstGeom prst="rect">
+            <a:avLst/>
+          </a:prstGeom>
+          <a:noFill/>
+          <a:ln w="19050">
+            <a:solidFill>
+              <a:schemeClr val="tx2">
+                <a:lumMod val="60000"/>
+                <a:lumOff val="40000"/>
+              </a:schemeClr>
+            </a:solidFill>
+          </a:ln>
+        </p:spPr>
+        <p:style>
+          <a:lnRef idx="2">
+            <a:schemeClr val="accent1">
+              <a:shade val="50000"/>
+            </a:schemeClr>
+          </a:lnRef>
+          <a:fillRef idx="1">
+            <a:schemeClr val="accent1"/>
+          </a:fillRef>
+          <a:effectRef idx="0">
+            <a:schemeClr val="accent1"/>
+          </a:effectRef>
+          <a:fontRef idx="minor">
+            <a:schemeClr val="lt1"/>
+          </a:fontRef>
+        </p:style>
+        <p:txBody>
+          <a:bodyPr numCol="1" rtlCol="0" anchor="ctr"/>
+          <a:lstStyle/>
+          <a:p>
+            <a:pPr algn="ctr"/>
+            <a:r>
+              <a:rPr lang="en-US" altLang="zh-CN" sz="1600" dirty="0">
+                <a:solidFill>
+                  <a:schemeClr val="accent1"/>
+                </a:solidFill>
+                <a:latin typeface="Times New Roman" panose="02020603050405020304" pitchFamily="18" charset="0"/>
+                <a:cs typeface="Times New Roman" panose="02020603050405020304" pitchFamily="18" charset="0"/>
+              </a:rPr>
+              <a:t>STORAGE</a:t>
+            </a:r>
+            <a:endParaRPr lang="zh-CN" altLang="en-US" sz="1600" dirty="0">
+              <a:solidFill>
+                <a:schemeClr val="accent1"/>
+              </a:solidFill>
+              <a:latin typeface="Times New Roman" panose="02020603050405020304" pitchFamily="18" charset="0"/>
+              <a:cs typeface="Times New Roman" panose="02020603050405020304" pitchFamily="18" charset="0"/>
+            </a:endParaRPr>
+          </a:p>
+        </p:txBody>
+      </p:sp>
+      <p:cxnSp>
+        <p:nvCxnSpPr>
+          <p:cNvPr id="75" name="直接箭头连接符 74">
+            <a:extLst>
+              <a:ext uri="{FF2B5EF4-FFF2-40B4-BE49-F238E27FC236}">
+                <a16:creationId xmlns:a16="http://schemas.microsoft.com/office/drawing/2014/main" id="{9A71F449-C29F-42E8-9C58-BDBCA5B463CB}"/>
+              </a:ext>
+            </a:extLst>
+          </p:cNvPr>
+          <p:cNvCxnSpPr>
+            <a:cxnSpLocks/>
+          </p:cNvCxnSpPr>
+          <p:nvPr/>
+        </p:nvCxnSpPr>
+        <p:spPr>
+          <a:xfrm>
+            <a:off x="3216952" y="1336040"/>
+            <a:ext cx="0" cy="345607"/>
+          </a:xfrm>
+          <a:prstGeom prst="straightConnector1">
+            <a:avLst/>
+          </a:prstGeom>
+          <a:ln w="28575">
+            <a:solidFill>
+              <a:srgbClr val="FFC000"/>
+            </a:solidFill>
+            <a:headEnd type="triangle"/>
+            <a:tailEnd type="triangle"/>
+          </a:ln>
+        </p:spPr>
+        <p:style>
+          <a:lnRef idx="1">
+            <a:schemeClr val="accent1"/>
+          </a:lnRef>
+          <a:fillRef idx="0">
+            <a:schemeClr val="accent1"/>
+          </a:fillRef>
+          <a:effectRef idx="0">
+            <a:schemeClr val="accent1"/>
+          </a:effectRef>
+          <a:fontRef idx="minor">
+            <a:schemeClr val="tx1"/>
+          </a:fontRef>
+        </p:style>
+      </p:cxnSp>
+      <p:cxnSp>
+        <p:nvCxnSpPr>
+          <p:cNvPr id="76" name="直接箭头连接符 75">
+            <a:extLst>
+              <a:ext uri="{FF2B5EF4-FFF2-40B4-BE49-F238E27FC236}">
+                <a16:creationId xmlns:a16="http://schemas.microsoft.com/office/drawing/2014/main" id="{976F6C62-6D71-4BEE-836C-3D614B1B229B}"/>
+              </a:ext>
+            </a:extLst>
+          </p:cNvPr>
+          <p:cNvCxnSpPr>
+            <a:cxnSpLocks/>
+          </p:cNvCxnSpPr>
+          <p:nvPr/>
+        </p:nvCxnSpPr>
+        <p:spPr>
+          <a:xfrm>
+            <a:off x="4303025" y="1336040"/>
+            <a:ext cx="0" cy="345607"/>
+          </a:xfrm>
+          <a:prstGeom prst="straightConnector1">
+            <a:avLst/>
+          </a:prstGeom>
+          <a:ln w="28575">
+            <a:solidFill>
+              <a:srgbClr val="FFC000"/>
+            </a:solidFill>
+            <a:headEnd type="triangle"/>
+            <a:tailEnd type="triangle"/>
+          </a:ln>
+        </p:spPr>
+        <p:style>
+          <a:lnRef idx="1">
+            <a:schemeClr val="accent1"/>
+          </a:lnRef>
+          <a:fillRef idx="0">
+            <a:schemeClr val="accent1"/>
+          </a:fillRef>
+          <a:effectRef idx="0">
+            <a:schemeClr val="accent1"/>
+          </a:effectRef>
+          <a:fontRef idx="minor">
+            <a:schemeClr val="tx1"/>
+          </a:fontRef>
+        </p:style>
+      </p:cxnSp>
+      <p:cxnSp>
+        <p:nvCxnSpPr>
+          <p:cNvPr id="77" name="直接箭头连接符 76">
+            <a:extLst>
+              <a:ext uri="{FF2B5EF4-FFF2-40B4-BE49-F238E27FC236}">
+                <a16:creationId xmlns:a16="http://schemas.microsoft.com/office/drawing/2014/main" id="{725FA7AE-58FA-4BA9-B66E-70396DF08BBB}"/>
+              </a:ext>
+            </a:extLst>
+          </p:cNvPr>
+          <p:cNvCxnSpPr>
+            <a:cxnSpLocks/>
+          </p:cNvCxnSpPr>
+          <p:nvPr/>
+        </p:nvCxnSpPr>
+        <p:spPr>
+          <a:xfrm>
+            <a:off x="3219897" y="2401174"/>
+            <a:ext cx="0" cy="345607"/>
+          </a:xfrm>
+          <a:prstGeom prst="straightConnector1">
+            <a:avLst/>
+          </a:prstGeom>
+          <a:ln w="28575">
+            <a:solidFill>
+              <a:srgbClr val="FFC000"/>
+            </a:solidFill>
+            <a:headEnd type="triangle"/>
+            <a:tailEnd type="triangle"/>
+          </a:ln>
+        </p:spPr>
+        <p:style>
+          <a:lnRef idx="1">
+            <a:schemeClr val="accent1"/>
+          </a:lnRef>
+          <a:fillRef idx="0">
+            <a:schemeClr val="accent1"/>
+          </a:fillRef>
+          <a:effectRef idx="0">
+            <a:schemeClr val="accent1"/>
+          </a:effectRef>
+          <a:fontRef idx="minor">
+            <a:schemeClr val="tx1"/>
+          </a:fontRef>
+        </p:style>
+      </p:cxnSp>
+      <p:cxnSp>
+        <p:nvCxnSpPr>
+          <p:cNvPr id="78" name="直接箭头连接符 77">
+            <a:extLst>
+              <a:ext uri="{FF2B5EF4-FFF2-40B4-BE49-F238E27FC236}">
+                <a16:creationId xmlns:a16="http://schemas.microsoft.com/office/drawing/2014/main" id="{EE7D9EBA-3D33-4119-AA1E-F3A331D9E0F1}"/>
+              </a:ext>
+            </a:extLst>
+          </p:cNvPr>
+          <p:cNvCxnSpPr>
+            <a:cxnSpLocks/>
+          </p:cNvCxnSpPr>
+          <p:nvPr/>
+        </p:nvCxnSpPr>
+        <p:spPr>
+          <a:xfrm>
+            <a:off x="4327741" y="2401174"/>
+            <a:ext cx="0" cy="345607"/>
+          </a:xfrm>
+          <a:prstGeom prst="straightConnector1">
+            <a:avLst/>
+          </a:prstGeom>
+          <a:ln w="28575">
+            <a:solidFill>
+              <a:srgbClr val="FFC000"/>
+            </a:solidFill>
+            <a:headEnd type="triangle"/>
+            <a:tailEnd type="triangle"/>
+          </a:ln>
+        </p:spPr>
+        <p:style>
+          <a:lnRef idx="1">
+            <a:schemeClr val="accent1"/>
+          </a:lnRef>
+          <a:fillRef idx="0">
+            <a:schemeClr val="accent1"/>
+          </a:fillRef>
+          <a:effectRef idx="0">
+            <a:schemeClr val="accent1"/>
+          </a:effectRef>
+          <a:fontRef idx="minor">
+            <a:schemeClr val="tx1"/>
+          </a:fontRef>
+        </p:style>
+      </p:cxnSp>
+      <p:cxnSp>
+        <p:nvCxnSpPr>
+          <p:cNvPr id="80" name="直接箭头连接符 79">
+            <a:extLst>
+              <a:ext uri="{FF2B5EF4-FFF2-40B4-BE49-F238E27FC236}">
+                <a16:creationId xmlns:a16="http://schemas.microsoft.com/office/drawing/2014/main" id="{A3D41F75-AA1A-42A9-9ACD-876534C5F75C}"/>
+              </a:ext>
+            </a:extLst>
+          </p:cNvPr>
+          <p:cNvCxnSpPr>
+            <a:cxnSpLocks/>
+            <a:stCxn id="27" idx="3"/>
+          </p:cNvCxnSpPr>
+          <p:nvPr/>
+        </p:nvCxnSpPr>
+        <p:spPr>
+          <a:xfrm>
+            <a:off x="10000275" y="6029985"/>
+            <a:ext cx="2191725" cy="0"/>
+          </a:xfrm>
+          <a:prstGeom prst="straightConnector1">
+            <a:avLst/>
+          </a:prstGeom>
+          <a:ln w="28575">
+            <a:solidFill>
+              <a:srgbClr val="FFC000"/>
+            </a:solidFill>
+            <a:tailEnd type="triangle"/>
+          </a:ln>
+        </p:spPr>
+        <p:style>
+          <a:lnRef idx="1">
+            <a:schemeClr val="accent1"/>
+          </a:lnRef>
+          <a:fillRef idx="0">
+            <a:schemeClr val="accent1"/>
+          </a:fillRef>
+          <a:effectRef idx="0">
+            <a:schemeClr val="accent1"/>
+          </a:effectRef>
+          <a:fontRef idx="minor">
+            <a:schemeClr val="tx1"/>
+          </a:fontRef>
+        </p:style>
+      </p:cxnSp>
+      <p:cxnSp>
+        <p:nvCxnSpPr>
+          <p:cNvPr id="103" name="连接符: 肘形 102">
+            <a:extLst>
+              <a:ext uri="{FF2B5EF4-FFF2-40B4-BE49-F238E27FC236}">
+                <a16:creationId xmlns:a16="http://schemas.microsoft.com/office/drawing/2014/main" id="{2ADEA1DB-6A77-4016-99DA-72A63DA7D65E}"/>
+              </a:ext>
+            </a:extLst>
+          </p:cNvPr>
+          <p:cNvCxnSpPr>
+            <a:stCxn id="4" idx="0"/>
+            <a:endCxn id="68" idx="1"/>
+          </p:cNvCxnSpPr>
+          <p:nvPr/>
+        </p:nvCxnSpPr>
+        <p:spPr>
+          <a:xfrm rot="5400000" flipH="1" flipV="1">
+            <a:off x="3434686" y="-238069"/>
+            <a:ext cx="2292532" cy="1546901"/>
+          </a:xfrm>
+          <a:prstGeom prst="bentConnector2">
+            <a:avLst/>
+          </a:prstGeom>
+          <a:ln w="28575">
+            <a:solidFill>
+              <a:srgbClr val="FFC000"/>
+            </a:solidFill>
+            <a:headEnd type="triangle"/>
+            <a:tailEnd type="triangle"/>
+          </a:ln>
+        </p:spPr>
+        <p:style>
+          <a:lnRef idx="1">
+            <a:schemeClr val="accent1"/>
+          </a:lnRef>
+          <a:fillRef idx="0">
+            <a:schemeClr val="accent1"/>
+          </a:fillRef>
+          <a:effectRef idx="0">
+            <a:schemeClr val="accent1"/>
+          </a:effectRef>
+          <a:fontRef idx="minor">
+            <a:schemeClr val="tx1"/>
+          </a:fontRef>
+        </p:style>
+      </p:cxnSp>
+    </p:spTree>
+    <p:extLst>
+      <p:ext uri="{BB962C8B-B14F-4D97-AF65-F5344CB8AC3E}">
+        <p14:creationId xmlns:p14="http://schemas.microsoft.com/office/powerpoint/2010/main" val="1773257159"/>
+      </p:ext>
+    </p:extLst>
+  </p:cSld>
+  <p:clrMapOvr>
+    <a:masterClrMapping/>
+  </p:clrMapOvr>
+</p:sld>
+</file>
+
+<file path=ppt/slides/slide4.xml><?xml version="1.0" encoding="utf-8"?>
+<p:sld xmlns:a="http://schemas.openxmlformats.org/drawingml/2006/main" xmlns:r="http://schemas.openxmlformats.org/officeDocument/2006/relationships" xmlns:p="http://schemas.openxmlformats.org/presentationml/2006/main">
+  <p:cSld>
+    <p:spTree>
+      <p:nvGrpSpPr>
+        <p:cNvPr id="1" name=""/>
+        <p:cNvGrpSpPr/>
+        <p:nvPr/>
+      </p:nvGrpSpPr>
+      <p:grpSpPr>
+        <a:xfrm>
+          <a:off x="0" y="0"/>
+          <a:ext cx="0" cy="0"/>
+          <a:chOff x="0" y="0"/>
+          <a:chExt cx="0" cy="0"/>
+        </a:xfrm>
+      </p:grpSpPr>
+    </p:spTree>
+    <p:extLst>
+      <p:ext uri="{BB962C8B-B14F-4D97-AF65-F5344CB8AC3E}">
+        <p14:creationId xmlns:p14="http://schemas.microsoft.com/office/powerpoint/2010/main" val="3219903796"/>
+      </p:ext>
+    </p:extLst>
+  </p:cSld>
+  <p:clrMapOvr>
+    <a:masterClrMapping/>
+  </p:clrMapOvr>
+</p:sld>
+</file>
+
 <file path=ppt/theme/theme1.xml><?xml version="1.0" encoding="utf-8"?>
 <a:theme xmlns:a="http://schemas.openxmlformats.org/drawingml/2006/main" name="Office 主题​​">
   <a:themeElements>
